--- a/03. 화면 설계/화면설계서_v0.5.pptx
+++ b/03. 화면 설계/화면설계서_v0.5.pptx
@@ -5,11 +5,12 @@
     <p:sldMasterId id="2147483672" r:id="rId1"/>
   </p:sldMasterIdLst>
   <p:notesMasterIdLst>
-    <p:notesMasterId r:id="rId4"/>
+    <p:notesMasterId r:id="rId5"/>
   </p:notesMasterIdLst>
   <p:sldIdLst>
     <p:sldId id="257" r:id="rId2"/>
     <p:sldId id="323" r:id="rId3"/>
+    <p:sldId id="324" r:id="rId4"/>
   </p:sldIdLst>
   <p:sldSz cx="10691813" cy="7559675"/>
   <p:notesSz cx="9144000" cy="6858000"/>
@@ -122,6 +123,9 @@
           </p15:clr>
         </p15:guide>
       </p15:sldGuideLst>
+    </p:ext>
+    <p:ext uri="{2D200454-40CA-4A62-9FC3-DE9A4176ACB9}">
+      <p15:notesGuideLst xmlns:p15="http://schemas.microsoft.com/office/powerpoint/2012/main"/>
     </p:ext>
   </p:extLst>
 </p:presentation>
@@ -4542,20 +4546,7 @@
                           <a:latin typeface="+mj-ea"/>
                           <a:ea typeface="+mj-ea"/>
                         </a:rPr>
-                        <a:t>항목별 </a:t>
-                      </a:r>
-                      <a:r>
-                        <a:rPr lang="ko-KR" altLang="en-US" sz="900" b="0" spc="-30" baseline="0" dirty="0" smtClean="0">
-                          <a:solidFill>
-                            <a:schemeClr val="tx1">
-                              <a:lumMod val="75000"/>
-                              <a:lumOff val="25000"/>
-                            </a:schemeClr>
-                          </a:solidFill>
-                          <a:latin typeface="+mj-ea"/>
-                          <a:ea typeface="+mj-ea"/>
-                        </a:rPr>
-                        <a:t>입력 규칙</a:t>
+                        <a:t>항목별 입력 규칙</a:t>
                       </a:r>
                       <a:endParaRPr lang="ko-KR" altLang="en-US" sz="900" b="0" spc="-30" baseline="0" dirty="0">
                         <a:solidFill>
@@ -6719,6 +6710,2799 @@
     <p:extLst>
       <p:ext uri="{BB962C8B-B14F-4D97-AF65-F5344CB8AC3E}">
         <p14:creationId xmlns:p14="http://schemas.microsoft.com/office/powerpoint/2010/main" val="1798677309"/>
+      </p:ext>
+    </p:extLst>
+  </p:cSld>
+  <p:clrMapOvr>
+    <a:masterClrMapping/>
+  </p:clrMapOvr>
+  <p:timing>
+    <p:tnLst>
+      <p:par>
+        <p:cTn id="1" dur="indefinite" restart="never" nodeType="tmRoot"/>
+      </p:par>
+    </p:tnLst>
+  </p:timing>
+</p:sld>
+</file>
+
+<file path=ppt/slides/slide3.xml><?xml version="1.0" encoding="utf-8"?>
+<p:sld xmlns:a="http://schemas.openxmlformats.org/drawingml/2006/main" xmlns:r="http://schemas.openxmlformats.org/officeDocument/2006/relationships" xmlns:p="http://schemas.openxmlformats.org/presentationml/2006/main">
+  <p:cSld>
+    <p:spTree>
+      <p:nvGrpSpPr>
+        <p:cNvPr id="1" name=""/>
+        <p:cNvGrpSpPr/>
+        <p:nvPr/>
+      </p:nvGrpSpPr>
+      <p:grpSpPr>
+        <a:xfrm>
+          <a:off x="0" y="0"/>
+          <a:ext cx="0" cy="0"/>
+          <a:chOff x="0" y="0"/>
+          <a:chExt cx="0" cy="0"/>
+        </a:xfrm>
+      </p:grpSpPr>
+      <p:sp>
+        <p:nvSpPr>
+          <p:cNvPr id="7" name="슬라이드 번호 개체 틀 6"/>
+          <p:cNvSpPr>
+            <a:spLocks noGrp="1"/>
+          </p:cNvSpPr>
+          <p:nvPr>
+            <p:ph type="sldNum" sz="quarter" idx="12"/>
+          </p:nvPr>
+        </p:nvSpPr>
+        <p:spPr/>
+        <p:txBody>
+          <a:bodyPr/>
+          <a:lstStyle/>
+          <a:p>
+            <a:fld id="{33F37274-1E3D-4DFE-A87B-D148EDDFC9E9}" type="slidenum">
+              <a:rPr lang="ko-KR" altLang="en-US" smtClean="0"/>
+              <a:t>3</a:t>
+            </a:fld>
+            <a:endParaRPr lang="ko-KR" altLang="en-US"/>
+          </a:p>
+        </p:txBody>
+      </p:sp>
+      <p:sp>
+        <p:nvSpPr>
+          <p:cNvPr id="15" name="AutoShape 2">
+            <a:extLst>
+              <a:ext uri="{FF2B5EF4-FFF2-40B4-BE49-F238E27FC236}">
+                <a16:creationId xmlns:a16="http://schemas.microsoft.com/office/drawing/2014/main" id="{9F456502-DAD6-47E4-9149-54DDEAB503F5}"/>
+              </a:ext>
+            </a:extLst>
+          </p:cNvPr>
+          <p:cNvSpPr>
+            <a:spLocks/>
+          </p:cNvSpPr>
+          <p:nvPr/>
+        </p:nvSpPr>
+        <p:spPr bwMode="auto">
+          <a:xfrm>
+            <a:off x="386418" y="304773"/>
+            <a:ext cx="436542" cy="472451"/>
+          </a:xfrm>
+          <a:custGeom>
+            <a:avLst/>
+            <a:gdLst/>
+            <a:ahLst/>
+            <a:cxnLst/>
+            <a:rect l="0" t="0" r="r" b="b"/>
+            <a:pathLst>
+              <a:path w="21600" h="21251">
+                <a:moveTo>
+                  <a:pt x="0" y="7472"/>
+                </a:moveTo>
+                <a:cubicBezTo>
+                  <a:pt x="0" y="6079"/>
+                  <a:pt x="1085" y="4368"/>
+                  <a:pt x="2412" y="3670"/>
+                </a:cubicBezTo>
+                <a:lnTo>
+                  <a:pt x="8389" y="523"/>
+                </a:lnTo>
+                <a:cubicBezTo>
+                  <a:pt x="9715" y="-175"/>
+                  <a:pt x="11885" y="-175"/>
+                  <a:pt x="13211" y="523"/>
+                </a:cubicBezTo>
+                <a:lnTo>
+                  <a:pt x="19188" y="3670"/>
+                </a:lnTo>
+                <a:cubicBezTo>
+                  <a:pt x="20515" y="4368"/>
+                  <a:pt x="21600" y="6079"/>
+                  <a:pt x="21600" y="7472"/>
+                </a:cubicBezTo>
+                <a:lnTo>
+                  <a:pt x="21600" y="13778"/>
+                </a:lnTo>
+                <a:cubicBezTo>
+                  <a:pt x="21600" y="15171"/>
+                  <a:pt x="20515" y="16882"/>
+                  <a:pt x="19188" y="17580"/>
+                </a:cubicBezTo>
+                <a:lnTo>
+                  <a:pt x="13211" y="20727"/>
+                </a:lnTo>
+                <a:cubicBezTo>
+                  <a:pt x="11885" y="21425"/>
+                  <a:pt x="9715" y="21425"/>
+                  <a:pt x="8389" y="20727"/>
+                </a:cubicBezTo>
+                <a:lnTo>
+                  <a:pt x="2412" y="17580"/>
+                </a:lnTo>
+                <a:cubicBezTo>
+                  <a:pt x="1085" y="16882"/>
+                  <a:pt x="0" y="15171"/>
+                  <a:pt x="0" y="13778"/>
+                </a:cubicBezTo>
+                <a:lnTo>
+                  <a:pt x="0" y="7472"/>
+                </a:lnTo>
+                <a:close/>
+                <a:moveTo>
+                  <a:pt x="0" y="7472"/>
+                </a:moveTo>
+              </a:path>
+            </a:pathLst>
+          </a:custGeom>
+          <a:gradFill>
+            <a:gsLst>
+              <a:gs pos="1000">
+                <a:srgbClr val="D00014"/>
+              </a:gs>
+              <a:gs pos="100000">
+                <a:schemeClr val="accent2">
+                  <a:lumMod val="60000"/>
+                  <a:lumOff val="40000"/>
+                </a:schemeClr>
+              </a:gs>
+            </a:gsLst>
+            <a:lin ang="2700000" scaled="0"/>
+          </a:gradFill>
+          <a:ln>
+            <a:noFill/>
+          </a:ln>
+        </p:spPr>
+        <p:txBody>
+          <a:bodyPr lIns="0" tIns="0" rIns="0" bIns="0" anchor="ctr"/>
+          <a:lstStyle/>
+          <a:p>
+            <a:pPr algn="ctr"/>
+            <a:endParaRPr lang="en-US" sz="1400" b="1" dirty="0">
+              <a:solidFill>
+                <a:schemeClr val="bg1"/>
+              </a:solidFill>
+              <a:latin typeface="+mj-ea"/>
+              <a:ea typeface="+mj-ea"/>
+            </a:endParaRPr>
+          </a:p>
+        </p:txBody>
+      </p:sp>
+      <p:sp>
+        <p:nvSpPr>
+          <p:cNvPr id="8" name="TextBox 7"/>
+          <p:cNvSpPr txBox="1"/>
+          <p:nvPr/>
+        </p:nvSpPr>
+        <p:spPr>
+          <a:xfrm>
+            <a:off x="886968" y="371721"/>
+            <a:ext cx="2911374" cy="338554"/>
+          </a:xfrm>
+          <a:prstGeom prst="rect">
+            <a:avLst/>
+          </a:prstGeom>
+          <a:noFill/>
+        </p:spPr>
+        <p:txBody>
+          <a:bodyPr wrap="none" rtlCol="0">
+            <a:spAutoFit/>
+          </a:bodyPr>
+          <a:lstStyle/>
+          <a:p>
+            <a:r>
+              <a:rPr lang="ko-KR" altLang="en-US" sz="1600" b="1" dirty="0" err="1">
+                <a:solidFill>
+                  <a:srgbClr val="D00014"/>
+                </a:solidFill>
+                <a:latin typeface="+mj-ea"/>
+                <a:ea typeface="+mj-ea"/>
+              </a:rPr>
+              <a:t>화면설계</a:t>
+            </a:r>
+            <a:r>
+              <a:rPr lang="ko-KR" altLang="en-US" sz="1600" b="1" dirty="0">
+                <a:solidFill>
+                  <a:srgbClr val="D00014"/>
+                </a:solidFill>
+                <a:latin typeface="+mj-ea"/>
+                <a:ea typeface="+mj-ea"/>
+              </a:rPr>
+              <a:t> </a:t>
+            </a:r>
+            <a:r>
+              <a:rPr lang="en-US" altLang="ko-KR" sz="1600" b="1" dirty="0" smtClean="0">
+                <a:solidFill>
+                  <a:srgbClr val="D00014"/>
+                </a:solidFill>
+                <a:latin typeface="+mj-ea"/>
+                <a:ea typeface="+mj-ea"/>
+              </a:rPr>
+              <a:t>– </a:t>
+            </a:r>
+            <a:r>
+              <a:rPr lang="ko-KR" altLang="en-US" sz="1600" b="1" dirty="0" smtClean="0">
+                <a:solidFill>
+                  <a:srgbClr val="D00014"/>
+                </a:solidFill>
+                <a:latin typeface="+mj-ea"/>
+                <a:ea typeface="+mj-ea"/>
+              </a:rPr>
+              <a:t>로그인 </a:t>
+            </a:r>
+            <a:r>
+              <a:rPr lang="en-US" altLang="ko-KR" sz="1600" b="1" dirty="0" smtClean="0">
+                <a:solidFill>
+                  <a:srgbClr val="D00014"/>
+                </a:solidFill>
+                <a:latin typeface="+mj-ea"/>
+                <a:ea typeface="+mj-ea"/>
+              </a:rPr>
+              <a:t>(</a:t>
+            </a:r>
+            <a:r>
+              <a:rPr lang="ko-KR" altLang="en-US" sz="1600" b="1" dirty="0" smtClean="0">
+                <a:solidFill>
+                  <a:srgbClr val="D00014"/>
+                </a:solidFill>
+                <a:latin typeface="+mj-ea"/>
+                <a:ea typeface="+mj-ea"/>
+              </a:rPr>
+              <a:t>회원가입</a:t>
+            </a:r>
+            <a:r>
+              <a:rPr lang="en-US" altLang="ko-KR" sz="1600" b="1" dirty="0" smtClean="0">
+                <a:solidFill>
+                  <a:srgbClr val="D00014"/>
+                </a:solidFill>
+                <a:latin typeface="+mj-ea"/>
+                <a:ea typeface="+mj-ea"/>
+              </a:rPr>
+              <a:t>)</a:t>
+            </a:r>
+            <a:endParaRPr lang="ko-KR" altLang="en-US" sz="1400" b="1" dirty="0">
+              <a:solidFill>
+                <a:srgbClr val="D00014"/>
+              </a:solidFill>
+              <a:latin typeface="+mj-ea"/>
+              <a:ea typeface="+mj-ea"/>
+            </a:endParaRPr>
+          </a:p>
+        </p:txBody>
+      </p:sp>
+      <p:graphicFrame>
+        <p:nvGraphicFramePr>
+          <p:cNvPr id="38" name="표 37"/>
+          <p:cNvGraphicFramePr>
+            <a:graphicFrameLocks noGrp="1"/>
+          </p:cNvGraphicFramePr>
+          <p:nvPr>
+            <p:extLst>
+              <p:ext uri="{D42A27DB-BD31-4B8C-83A1-F6EECF244321}">
+                <p14:modId xmlns:p14="http://schemas.microsoft.com/office/powerpoint/2010/main" val="3608584140"/>
+              </p:ext>
+            </p:extLst>
+          </p:nvPr>
+        </p:nvGraphicFramePr>
+        <p:xfrm>
+          <a:off x="601661" y="1094323"/>
+          <a:ext cx="9490076" cy="606426"/>
+        </p:xfrm>
+        <a:graphic>
+          <a:graphicData uri="http://schemas.openxmlformats.org/drawingml/2006/table">
+            <a:tbl>
+              <a:tblPr firstRow="1" bandRow="1">
+                <a:tableStyleId>{5C22544A-7EE6-4342-B048-85BDC9FD1C3A}</a:tableStyleId>
+              </a:tblPr>
+              <a:tblGrid>
+                <a:gridCol w="875120">
+                  <a:extLst>
+                    <a:ext uri="{9D8B030D-6E8A-4147-A177-3AD203B41FA5}">
+                      <a16:colId xmlns:a16="http://schemas.microsoft.com/office/drawing/2014/main" val="20000"/>
+                    </a:ext>
+                  </a:extLst>
+                </a:gridCol>
+                <a:gridCol w="823525">
+                  <a:extLst>
+                    <a:ext uri="{9D8B030D-6E8A-4147-A177-3AD203B41FA5}">
+                      <a16:colId xmlns:a16="http://schemas.microsoft.com/office/drawing/2014/main" val="20001"/>
+                    </a:ext>
+                  </a:extLst>
+                </a:gridCol>
+                <a:gridCol w="741173">
+                  <a:extLst>
+                    <a:ext uri="{9D8B030D-6E8A-4147-A177-3AD203B41FA5}">
+                      <a16:colId xmlns:a16="http://schemas.microsoft.com/office/drawing/2014/main" val="20002"/>
+                    </a:ext>
+                  </a:extLst>
+                </a:gridCol>
+                <a:gridCol w="2799984">
+                  <a:extLst>
+                    <a:ext uri="{9D8B030D-6E8A-4147-A177-3AD203B41FA5}">
+                      <a16:colId xmlns:a16="http://schemas.microsoft.com/office/drawing/2014/main" val="20003"/>
+                    </a:ext>
+                  </a:extLst>
+                </a:gridCol>
+                <a:gridCol w="494115">
+                  <a:extLst>
+                    <a:ext uri="{9D8B030D-6E8A-4147-A177-3AD203B41FA5}">
+                      <a16:colId xmlns:a16="http://schemas.microsoft.com/office/drawing/2014/main" val="20004"/>
+                    </a:ext>
+                  </a:extLst>
+                </a:gridCol>
+                <a:gridCol w="576468">
+                  <a:extLst>
+                    <a:ext uri="{9D8B030D-6E8A-4147-A177-3AD203B41FA5}">
+                      <a16:colId xmlns:a16="http://schemas.microsoft.com/office/drawing/2014/main" val="20005"/>
+                    </a:ext>
+                  </a:extLst>
+                </a:gridCol>
+                <a:gridCol w="905878">
+                  <a:extLst>
+                    <a:ext uri="{9D8B030D-6E8A-4147-A177-3AD203B41FA5}">
+                      <a16:colId xmlns:a16="http://schemas.microsoft.com/office/drawing/2014/main" val="20006"/>
+                    </a:ext>
+                  </a:extLst>
+                </a:gridCol>
+                <a:gridCol w="988230">
+                  <a:extLst>
+                    <a:ext uri="{9D8B030D-6E8A-4147-A177-3AD203B41FA5}">
+                      <a16:colId xmlns:a16="http://schemas.microsoft.com/office/drawing/2014/main" val="20007"/>
+                    </a:ext>
+                  </a:extLst>
+                </a:gridCol>
+                <a:gridCol w="576468">
+                  <a:extLst>
+                    <a:ext uri="{9D8B030D-6E8A-4147-A177-3AD203B41FA5}">
+                      <a16:colId xmlns:a16="http://schemas.microsoft.com/office/drawing/2014/main" val="20008"/>
+                    </a:ext>
+                  </a:extLst>
+                </a:gridCol>
+                <a:gridCol w="709115">
+                  <a:extLst>
+                    <a:ext uri="{9D8B030D-6E8A-4147-A177-3AD203B41FA5}">
+                      <a16:colId xmlns:a16="http://schemas.microsoft.com/office/drawing/2014/main" val="20009"/>
+                    </a:ext>
+                  </a:extLst>
+                </a:gridCol>
+              </a:tblGrid>
+              <a:tr h="303213">
+                <a:tc>
+                  <a:txBody>
+                    <a:bodyPr/>
+                    <a:lstStyle/>
+                    <a:p>
+                      <a:pPr marL="0" indent="0" algn="ctr" latinLnBrk="1">
+                        <a:buFont typeface="Arial" pitchFamily="34" charset="0"/>
+                        <a:buNone/>
+                      </a:pPr>
+                      <a:r>
+                        <a:rPr lang="ko-KR" altLang="en-US" sz="900" b="1" spc="-30" baseline="0" dirty="0" smtClean="0">
+                          <a:solidFill>
+                            <a:schemeClr val="tx1">
+                              <a:lumMod val="75000"/>
+                              <a:lumOff val="25000"/>
+                            </a:schemeClr>
+                          </a:solidFill>
+                          <a:latin typeface="+mj-ea"/>
+                          <a:ea typeface="+mj-ea"/>
+                        </a:rPr>
+                        <a:t>페이지 </a:t>
+                      </a:r>
+                      <a:r>
+                        <a:rPr lang="en-US" altLang="ko-KR" sz="900" b="1" spc="-30" baseline="0" dirty="0" smtClean="0">
+                          <a:solidFill>
+                            <a:schemeClr val="tx1">
+                              <a:lumMod val="75000"/>
+                              <a:lumOff val="25000"/>
+                            </a:schemeClr>
+                          </a:solidFill>
+                          <a:latin typeface="+mj-ea"/>
+                          <a:ea typeface="+mj-ea"/>
+                        </a:rPr>
+                        <a:t>ID</a:t>
+                      </a:r>
+                      <a:endParaRPr lang="ko-KR" altLang="en-US" sz="900" b="1" spc="-30" baseline="0" dirty="0">
+                        <a:solidFill>
+                          <a:schemeClr val="tx1">
+                            <a:lumMod val="75000"/>
+                            <a:lumOff val="25000"/>
+                          </a:schemeClr>
+                        </a:solidFill>
+                        <a:latin typeface="+mj-ea"/>
+                        <a:ea typeface="+mj-ea"/>
+                      </a:endParaRPr>
+                    </a:p>
+                  </a:txBody>
+                  <a:tcPr marL="91449" marR="91449" marT="45759" marB="45759" anchor="ctr">
+                    <a:lnL w="3175" cap="flat" cmpd="sng" algn="ctr">
+                      <a:solidFill>
+                        <a:schemeClr val="tx1"/>
+                      </a:solidFill>
+                      <a:prstDash val="solid"/>
+                      <a:round/>
+                      <a:headEnd type="none" w="med" len="med"/>
+                      <a:tailEnd type="none" w="med" len="med"/>
+                    </a:lnL>
+                    <a:lnR w="6350" cap="flat" cmpd="sng" algn="ctr">
+                      <a:noFill/>
+                      <a:prstDash val="solid"/>
+                      <a:round/>
+                      <a:headEnd type="none" w="med" len="med"/>
+                      <a:tailEnd type="none" w="med" len="med"/>
+                    </a:lnR>
+                    <a:lnT w="3175" cap="flat" cmpd="sng" algn="ctr">
+                      <a:solidFill>
+                        <a:schemeClr val="tx1"/>
+                      </a:solidFill>
+                      <a:prstDash val="solid"/>
+                      <a:round/>
+                      <a:headEnd type="none" w="med" len="med"/>
+                      <a:tailEnd type="none" w="med" len="med"/>
+                    </a:lnT>
+                    <a:lnB w="3175" cap="flat" cmpd="sng" algn="ctr">
+                      <a:solidFill>
+                        <a:schemeClr val="bg1">
+                          <a:lumMod val="65000"/>
+                        </a:schemeClr>
+                      </a:solidFill>
+                      <a:prstDash val="solid"/>
+                      <a:round/>
+                      <a:headEnd type="none" w="med" len="med"/>
+                      <a:tailEnd type="none" w="med" len="med"/>
+                    </a:lnB>
+                    <a:solidFill>
+                      <a:schemeClr val="bg1">
+                        <a:lumMod val="95000"/>
+                      </a:schemeClr>
+                    </a:solidFill>
+                  </a:tcPr>
+                </a:tc>
+                <a:tc>
+                  <a:txBody>
+                    <a:bodyPr/>
+                    <a:lstStyle/>
+                    <a:p>
+                      <a:pPr marL="0" indent="0" algn="ctr" latinLnBrk="1">
+                        <a:buFont typeface="Arial" pitchFamily="34" charset="0"/>
+                        <a:buNone/>
+                      </a:pPr>
+                      <a:r>
+                        <a:rPr lang="en-US" altLang="ko-KR" sz="900" b="0" spc="-30" baseline="0" dirty="0" err="1" smtClean="0">
+                          <a:solidFill>
+                            <a:schemeClr val="tx1">
+                              <a:lumMod val="75000"/>
+                              <a:lumOff val="25000"/>
+                            </a:schemeClr>
+                          </a:solidFill>
+                          <a:latin typeface="+mj-ea"/>
+                          <a:ea typeface="+mj-ea"/>
+                        </a:rPr>
+                        <a:t>loginID</a:t>
+                      </a:r>
+                      <a:endParaRPr lang="ko-KR" altLang="en-US" sz="900" b="0" spc="-30" baseline="0" dirty="0">
+                        <a:solidFill>
+                          <a:schemeClr val="tx1">
+                            <a:lumMod val="75000"/>
+                            <a:lumOff val="25000"/>
+                          </a:schemeClr>
+                        </a:solidFill>
+                        <a:latin typeface="+mj-ea"/>
+                        <a:ea typeface="+mj-ea"/>
+                      </a:endParaRPr>
+                    </a:p>
+                  </a:txBody>
+                  <a:tcPr marL="91449" marR="91449" marT="45759" marB="45759" anchor="ctr">
+                    <a:lnL w="6350" cap="flat" cmpd="sng" algn="ctr">
+                      <a:noFill/>
+                      <a:prstDash val="solid"/>
+                      <a:round/>
+                      <a:headEnd type="none" w="med" len="med"/>
+                      <a:tailEnd type="none" w="med" len="med"/>
+                    </a:lnL>
+                    <a:lnR w="6350" cap="flat" cmpd="sng" algn="ctr">
+                      <a:noFill/>
+                      <a:prstDash val="solid"/>
+                      <a:round/>
+                      <a:headEnd type="none" w="med" len="med"/>
+                      <a:tailEnd type="none" w="med" len="med"/>
+                    </a:lnR>
+                    <a:lnT w="3175" cap="flat" cmpd="sng" algn="ctr">
+                      <a:solidFill>
+                        <a:schemeClr val="tx1"/>
+                      </a:solidFill>
+                      <a:prstDash val="solid"/>
+                      <a:round/>
+                      <a:headEnd type="none" w="med" len="med"/>
+                      <a:tailEnd type="none" w="med" len="med"/>
+                    </a:lnT>
+                    <a:lnB w="3175" cap="flat" cmpd="sng" algn="ctr">
+                      <a:solidFill>
+                        <a:schemeClr val="bg1">
+                          <a:lumMod val="65000"/>
+                        </a:schemeClr>
+                      </a:solidFill>
+                      <a:prstDash val="solid"/>
+                      <a:round/>
+                      <a:headEnd type="none" w="med" len="med"/>
+                      <a:tailEnd type="none" w="med" len="med"/>
+                    </a:lnB>
+                    <a:solidFill>
+                      <a:schemeClr val="bg1"/>
+                    </a:solidFill>
+                  </a:tcPr>
+                </a:tc>
+                <a:tc>
+                  <a:txBody>
+                    <a:bodyPr/>
+                    <a:lstStyle/>
+                    <a:p>
+                      <a:pPr marL="0" indent="0" algn="ctr" latinLnBrk="1">
+                        <a:buFont typeface="Arial" pitchFamily="34" charset="0"/>
+                        <a:buNone/>
+                      </a:pPr>
+                      <a:r>
+                        <a:rPr lang="ko-KR" altLang="en-US" sz="900" b="1" spc="-30" baseline="0" dirty="0" smtClean="0">
+                          <a:solidFill>
+                            <a:schemeClr val="tx1">
+                              <a:lumMod val="75000"/>
+                              <a:lumOff val="25000"/>
+                            </a:schemeClr>
+                          </a:solidFill>
+                          <a:latin typeface="+mj-ea"/>
+                          <a:ea typeface="+mj-ea"/>
+                        </a:rPr>
+                        <a:t>페이지명</a:t>
+                      </a:r>
+                      <a:endParaRPr lang="ko-KR" altLang="en-US" sz="900" b="1" spc="-30" baseline="0" dirty="0">
+                        <a:solidFill>
+                          <a:schemeClr val="tx1">
+                            <a:lumMod val="75000"/>
+                            <a:lumOff val="25000"/>
+                          </a:schemeClr>
+                        </a:solidFill>
+                        <a:latin typeface="+mj-ea"/>
+                        <a:ea typeface="+mj-ea"/>
+                      </a:endParaRPr>
+                    </a:p>
+                  </a:txBody>
+                  <a:tcPr marL="91449" marR="91449" marT="45759" marB="45759" anchor="ctr">
+                    <a:lnL w="6350" cap="flat" cmpd="sng" algn="ctr">
+                      <a:noFill/>
+                      <a:prstDash val="solid"/>
+                      <a:round/>
+                      <a:headEnd type="none" w="med" len="med"/>
+                      <a:tailEnd type="none" w="med" len="med"/>
+                    </a:lnL>
+                    <a:lnR w="6350" cap="flat" cmpd="sng" algn="ctr">
+                      <a:noFill/>
+                      <a:prstDash val="solid"/>
+                      <a:round/>
+                      <a:headEnd type="none" w="med" len="med"/>
+                      <a:tailEnd type="none" w="med" len="med"/>
+                    </a:lnR>
+                    <a:lnT w="3175" cap="flat" cmpd="sng" algn="ctr">
+                      <a:solidFill>
+                        <a:schemeClr val="tx1"/>
+                      </a:solidFill>
+                      <a:prstDash val="solid"/>
+                      <a:round/>
+                      <a:headEnd type="none" w="med" len="med"/>
+                      <a:tailEnd type="none" w="med" len="med"/>
+                    </a:lnT>
+                    <a:lnB w="3175" cap="flat" cmpd="sng" algn="ctr">
+                      <a:solidFill>
+                        <a:schemeClr val="bg1">
+                          <a:lumMod val="65000"/>
+                        </a:schemeClr>
+                      </a:solidFill>
+                      <a:prstDash val="solid"/>
+                      <a:round/>
+                      <a:headEnd type="none" w="med" len="med"/>
+                      <a:tailEnd type="none" w="med" len="med"/>
+                    </a:lnB>
+                    <a:solidFill>
+                      <a:schemeClr val="bg1">
+                        <a:lumMod val="95000"/>
+                      </a:schemeClr>
+                    </a:solidFill>
+                  </a:tcPr>
+                </a:tc>
+                <a:tc>
+                  <a:txBody>
+                    <a:bodyPr/>
+                    <a:lstStyle/>
+                    <a:p>
+                      <a:pPr marL="0" indent="0" algn="l" latinLnBrk="1">
+                        <a:buFont typeface="Arial" pitchFamily="34" charset="0"/>
+                        <a:buNone/>
+                      </a:pPr>
+                      <a:r>
+                        <a:rPr lang="ko-KR" altLang="en-US" sz="900" b="0" spc="-30" baseline="0" dirty="0" smtClean="0">
+                          <a:solidFill>
+                            <a:schemeClr val="tx1">
+                              <a:lumMod val="75000"/>
+                              <a:lumOff val="25000"/>
+                            </a:schemeClr>
+                          </a:solidFill>
+                          <a:latin typeface="+mj-ea"/>
+                          <a:ea typeface="+mj-ea"/>
+                        </a:rPr>
+                        <a:t>항목별 입력 규칙</a:t>
+                      </a:r>
+                      <a:endParaRPr lang="ko-KR" altLang="en-US" sz="900" b="0" spc="-30" baseline="0" dirty="0">
+                        <a:solidFill>
+                          <a:schemeClr val="tx1">
+                            <a:lumMod val="75000"/>
+                            <a:lumOff val="25000"/>
+                          </a:schemeClr>
+                        </a:solidFill>
+                        <a:latin typeface="+mj-ea"/>
+                        <a:ea typeface="+mj-ea"/>
+                      </a:endParaRPr>
+                    </a:p>
+                  </a:txBody>
+                  <a:tcPr marL="91449" marR="91449" marT="45759" marB="45759" anchor="ctr">
+                    <a:lnL w="6350" cap="flat" cmpd="sng" algn="ctr">
+                      <a:noFill/>
+                      <a:prstDash val="solid"/>
+                      <a:round/>
+                      <a:headEnd type="none" w="med" len="med"/>
+                      <a:tailEnd type="none" w="med" len="med"/>
+                    </a:lnL>
+                    <a:lnR w="6350" cap="flat" cmpd="sng" algn="ctr">
+                      <a:noFill/>
+                      <a:prstDash val="solid"/>
+                      <a:round/>
+                      <a:headEnd type="none" w="med" len="med"/>
+                      <a:tailEnd type="none" w="med" len="med"/>
+                    </a:lnR>
+                    <a:lnT w="3175" cap="flat" cmpd="sng" algn="ctr">
+                      <a:solidFill>
+                        <a:schemeClr val="tx1"/>
+                      </a:solidFill>
+                      <a:prstDash val="solid"/>
+                      <a:round/>
+                      <a:headEnd type="none" w="med" len="med"/>
+                      <a:tailEnd type="none" w="med" len="med"/>
+                    </a:lnT>
+                    <a:lnB w="3175" cap="flat" cmpd="sng" algn="ctr">
+                      <a:solidFill>
+                        <a:schemeClr val="bg1">
+                          <a:lumMod val="65000"/>
+                        </a:schemeClr>
+                      </a:solidFill>
+                      <a:prstDash val="solid"/>
+                      <a:round/>
+                      <a:headEnd type="none" w="med" len="med"/>
+                      <a:tailEnd type="none" w="med" len="med"/>
+                    </a:lnB>
+                    <a:solidFill>
+                      <a:schemeClr val="bg1"/>
+                    </a:solidFill>
+                  </a:tcPr>
+                </a:tc>
+                <a:tc>
+                  <a:txBody>
+                    <a:bodyPr/>
+                    <a:lstStyle/>
+                    <a:p>
+                      <a:pPr marL="0" indent="0" algn="ctr" latinLnBrk="1">
+                        <a:buFont typeface="Arial" pitchFamily="34" charset="0"/>
+                        <a:buNone/>
+                      </a:pPr>
+                      <a:r>
+                        <a:rPr lang="ko-KR" altLang="en-US" sz="900" b="1" spc="-30" baseline="0" dirty="0" smtClean="0">
+                          <a:solidFill>
+                            <a:schemeClr val="tx1">
+                              <a:lumMod val="75000"/>
+                              <a:lumOff val="25000"/>
+                            </a:schemeClr>
+                          </a:solidFill>
+                          <a:latin typeface="+mj-ea"/>
+                          <a:ea typeface="+mj-ea"/>
+                        </a:rPr>
+                        <a:t>구분</a:t>
+                      </a:r>
+                      <a:endParaRPr lang="ko-KR" altLang="en-US" sz="900" b="1" spc="-30" baseline="0" dirty="0">
+                        <a:solidFill>
+                          <a:schemeClr val="tx1">
+                            <a:lumMod val="75000"/>
+                            <a:lumOff val="25000"/>
+                          </a:schemeClr>
+                        </a:solidFill>
+                        <a:latin typeface="+mj-ea"/>
+                        <a:ea typeface="+mj-ea"/>
+                      </a:endParaRPr>
+                    </a:p>
+                  </a:txBody>
+                  <a:tcPr marL="91449" marR="91449" marT="45759" marB="45759" anchor="ctr">
+                    <a:lnL w="6350" cap="flat" cmpd="sng" algn="ctr">
+                      <a:noFill/>
+                      <a:prstDash val="solid"/>
+                      <a:round/>
+                      <a:headEnd type="none" w="med" len="med"/>
+                      <a:tailEnd type="none" w="med" len="med"/>
+                    </a:lnL>
+                    <a:lnR w="6350" cap="flat" cmpd="sng" algn="ctr">
+                      <a:noFill/>
+                      <a:prstDash val="solid"/>
+                      <a:round/>
+                      <a:headEnd type="none" w="med" len="med"/>
+                      <a:tailEnd type="none" w="med" len="med"/>
+                    </a:lnR>
+                    <a:lnT w="3175" cap="flat" cmpd="sng" algn="ctr">
+                      <a:solidFill>
+                        <a:schemeClr val="tx1"/>
+                      </a:solidFill>
+                      <a:prstDash val="solid"/>
+                      <a:round/>
+                      <a:headEnd type="none" w="med" len="med"/>
+                      <a:tailEnd type="none" w="med" len="med"/>
+                    </a:lnT>
+                    <a:lnB w="3175" cap="flat" cmpd="sng" algn="ctr">
+                      <a:solidFill>
+                        <a:schemeClr val="bg1">
+                          <a:lumMod val="65000"/>
+                        </a:schemeClr>
+                      </a:solidFill>
+                      <a:prstDash val="solid"/>
+                      <a:round/>
+                      <a:headEnd type="none" w="med" len="med"/>
+                      <a:tailEnd type="none" w="med" len="med"/>
+                    </a:lnB>
+                    <a:solidFill>
+                      <a:schemeClr val="bg1">
+                        <a:lumMod val="95000"/>
+                      </a:schemeClr>
+                    </a:solidFill>
+                  </a:tcPr>
+                </a:tc>
+                <a:tc>
+                  <a:txBody>
+                    <a:bodyPr/>
+                    <a:lstStyle/>
+                    <a:p>
+                      <a:pPr marL="0" indent="0" algn="ctr" latinLnBrk="1">
+                        <a:buFont typeface="Arial" pitchFamily="34" charset="0"/>
+                        <a:buNone/>
+                      </a:pPr>
+                      <a:r>
+                        <a:rPr lang="ko-KR" altLang="en-US" sz="900" b="0" spc="-30" baseline="0" dirty="0" smtClean="0">
+                          <a:solidFill>
+                            <a:schemeClr val="tx1">
+                              <a:lumMod val="75000"/>
+                              <a:lumOff val="25000"/>
+                            </a:schemeClr>
+                          </a:solidFill>
+                          <a:latin typeface="+mj-ea"/>
+                          <a:ea typeface="+mj-ea"/>
+                        </a:rPr>
+                        <a:t>일반</a:t>
+                      </a:r>
+                      <a:endParaRPr lang="ko-KR" altLang="en-US" sz="900" b="0" spc="-30" baseline="0" dirty="0">
+                        <a:solidFill>
+                          <a:schemeClr val="tx1">
+                            <a:lumMod val="75000"/>
+                            <a:lumOff val="25000"/>
+                          </a:schemeClr>
+                        </a:solidFill>
+                        <a:latin typeface="+mj-ea"/>
+                        <a:ea typeface="+mj-ea"/>
+                      </a:endParaRPr>
+                    </a:p>
+                  </a:txBody>
+                  <a:tcPr marL="91449" marR="91449" marT="45759" marB="45759" anchor="ctr">
+                    <a:lnL w="6350" cap="flat" cmpd="sng" algn="ctr">
+                      <a:noFill/>
+                      <a:prstDash val="solid"/>
+                      <a:round/>
+                      <a:headEnd type="none" w="med" len="med"/>
+                      <a:tailEnd type="none" w="med" len="med"/>
+                    </a:lnL>
+                    <a:lnR w="6350" cap="flat" cmpd="sng" algn="ctr">
+                      <a:noFill/>
+                      <a:prstDash val="solid"/>
+                      <a:round/>
+                      <a:headEnd type="none" w="med" len="med"/>
+                      <a:tailEnd type="none" w="med" len="med"/>
+                    </a:lnR>
+                    <a:lnT w="3175" cap="flat" cmpd="sng" algn="ctr">
+                      <a:solidFill>
+                        <a:schemeClr val="tx1"/>
+                      </a:solidFill>
+                      <a:prstDash val="solid"/>
+                      <a:round/>
+                      <a:headEnd type="none" w="med" len="med"/>
+                      <a:tailEnd type="none" w="med" len="med"/>
+                    </a:lnT>
+                    <a:lnB w="3175" cap="flat" cmpd="sng" algn="ctr">
+                      <a:solidFill>
+                        <a:schemeClr val="bg1">
+                          <a:lumMod val="65000"/>
+                        </a:schemeClr>
+                      </a:solidFill>
+                      <a:prstDash val="solid"/>
+                      <a:round/>
+                      <a:headEnd type="none" w="med" len="med"/>
+                      <a:tailEnd type="none" w="med" len="med"/>
+                    </a:lnB>
+                    <a:solidFill>
+                      <a:schemeClr val="bg1"/>
+                    </a:solidFill>
+                  </a:tcPr>
+                </a:tc>
+                <a:tc>
+                  <a:txBody>
+                    <a:bodyPr/>
+                    <a:lstStyle/>
+                    <a:p>
+                      <a:pPr marL="0" indent="0" algn="ctr" latinLnBrk="1">
+                        <a:buFont typeface="Arial" pitchFamily="34" charset="0"/>
+                        <a:buNone/>
+                      </a:pPr>
+                      <a:r>
+                        <a:rPr lang="ko-KR" altLang="en-US" sz="900" b="1" spc="-30" baseline="0" dirty="0" smtClean="0">
+                          <a:solidFill>
+                            <a:schemeClr val="tx1">
+                              <a:lumMod val="75000"/>
+                              <a:lumOff val="25000"/>
+                            </a:schemeClr>
+                          </a:solidFill>
+                          <a:latin typeface="+mj-ea"/>
+                          <a:ea typeface="+mj-ea"/>
+                        </a:rPr>
+                        <a:t>최초 작성일</a:t>
+                      </a:r>
+                      <a:endParaRPr lang="ko-KR" altLang="en-US" sz="900" b="1" spc="-30" baseline="0" dirty="0">
+                        <a:solidFill>
+                          <a:schemeClr val="tx1">
+                            <a:lumMod val="75000"/>
+                            <a:lumOff val="25000"/>
+                          </a:schemeClr>
+                        </a:solidFill>
+                        <a:latin typeface="+mj-ea"/>
+                        <a:ea typeface="+mj-ea"/>
+                      </a:endParaRPr>
+                    </a:p>
+                  </a:txBody>
+                  <a:tcPr marL="91449" marR="91449" marT="45759" marB="45759" anchor="ctr">
+                    <a:lnL w="6350" cap="flat" cmpd="sng" algn="ctr">
+                      <a:noFill/>
+                      <a:prstDash val="solid"/>
+                      <a:round/>
+                      <a:headEnd type="none" w="med" len="med"/>
+                      <a:tailEnd type="none" w="med" len="med"/>
+                    </a:lnL>
+                    <a:lnR w="6350" cap="flat" cmpd="sng" algn="ctr">
+                      <a:noFill/>
+                      <a:prstDash val="solid"/>
+                      <a:round/>
+                      <a:headEnd type="none" w="med" len="med"/>
+                      <a:tailEnd type="none" w="med" len="med"/>
+                    </a:lnR>
+                    <a:lnT w="3175" cap="flat" cmpd="sng" algn="ctr">
+                      <a:solidFill>
+                        <a:schemeClr val="tx1"/>
+                      </a:solidFill>
+                      <a:prstDash val="solid"/>
+                      <a:round/>
+                      <a:headEnd type="none" w="med" len="med"/>
+                      <a:tailEnd type="none" w="med" len="med"/>
+                    </a:lnT>
+                    <a:lnB w="3175" cap="flat" cmpd="sng" algn="ctr">
+                      <a:solidFill>
+                        <a:schemeClr val="bg1">
+                          <a:lumMod val="65000"/>
+                        </a:schemeClr>
+                      </a:solidFill>
+                      <a:prstDash val="solid"/>
+                      <a:round/>
+                      <a:headEnd type="none" w="med" len="med"/>
+                      <a:tailEnd type="none" w="med" len="med"/>
+                    </a:lnB>
+                    <a:solidFill>
+                      <a:schemeClr val="bg1">
+                        <a:lumMod val="95000"/>
+                      </a:schemeClr>
+                    </a:solidFill>
+                  </a:tcPr>
+                </a:tc>
+                <a:tc>
+                  <a:txBody>
+                    <a:bodyPr/>
+                    <a:lstStyle/>
+                    <a:p>
+                      <a:pPr marL="0" indent="0" algn="ctr" latinLnBrk="1">
+                        <a:buFont typeface="Arial" pitchFamily="34" charset="0"/>
+                        <a:buNone/>
+                      </a:pPr>
+                      <a:endParaRPr lang="ko-KR" altLang="en-US" sz="900" b="0" spc="-30" baseline="0" dirty="0">
+                        <a:solidFill>
+                          <a:schemeClr val="tx1">
+                            <a:lumMod val="75000"/>
+                            <a:lumOff val="25000"/>
+                          </a:schemeClr>
+                        </a:solidFill>
+                        <a:latin typeface="+mj-ea"/>
+                        <a:ea typeface="+mj-ea"/>
+                      </a:endParaRPr>
+                    </a:p>
+                  </a:txBody>
+                  <a:tcPr marL="91449" marR="91449" marT="45759" marB="45759" anchor="ctr">
+                    <a:lnL w="6350" cap="flat" cmpd="sng" algn="ctr">
+                      <a:noFill/>
+                      <a:prstDash val="solid"/>
+                      <a:round/>
+                      <a:headEnd type="none" w="med" len="med"/>
+                      <a:tailEnd type="none" w="med" len="med"/>
+                    </a:lnL>
+                    <a:lnR w="6350" cap="flat" cmpd="sng" algn="ctr">
+                      <a:noFill/>
+                      <a:prstDash val="solid"/>
+                      <a:round/>
+                      <a:headEnd type="none" w="med" len="med"/>
+                      <a:tailEnd type="none" w="med" len="med"/>
+                    </a:lnR>
+                    <a:lnT w="3175" cap="flat" cmpd="sng" algn="ctr">
+                      <a:solidFill>
+                        <a:schemeClr val="tx1"/>
+                      </a:solidFill>
+                      <a:prstDash val="solid"/>
+                      <a:round/>
+                      <a:headEnd type="none" w="med" len="med"/>
+                      <a:tailEnd type="none" w="med" len="med"/>
+                    </a:lnT>
+                    <a:lnB w="3175" cap="flat" cmpd="sng" algn="ctr">
+                      <a:solidFill>
+                        <a:schemeClr val="bg1">
+                          <a:lumMod val="65000"/>
+                        </a:schemeClr>
+                      </a:solidFill>
+                      <a:prstDash val="solid"/>
+                      <a:round/>
+                      <a:headEnd type="none" w="med" len="med"/>
+                      <a:tailEnd type="none" w="med" len="med"/>
+                    </a:lnB>
+                    <a:solidFill>
+                      <a:schemeClr val="bg1"/>
+                    </a:solidFill>
+                  </a:tcPr>
+                </a:tc>
+                <a:tc>
+                  <a:txBody>
+                    <a:bodyPr/>
+                    <a:lstStyle/>
+                    <a:p>
+                      <a:pPr marL="0" indent="0" algn="ctr" latinLnBrk="1">
+                        <a:buFont typeface="Arial" pitchFamily="34" charset="0"/>
+                        <a:buNone/>
+                      </a:pPr>
+                      <a:r>
+                        <a:rPr lang="en-US" altLang="ko-KR" sz="900" b="1" spc="-30" baseline="0" dirty="0" smtClean="0">
+                          <a:solidFill>
+                            <a:schemeClr val="tx1">
+                              <a:lumMod val="75000"/>
+                              <a:lumOff val="25000"/>
+                            </a:schemeClr>
+                          </a:solidFill>
+                          <a:latin typeface="+mj-ea"/>
+                          <a:ea typeface="+mj-ea"/>
+                        </a:rPr>
+                        <a:t>page</a:t>
+                      </a:r>
+                      <a:endParaRPr lang="ko-KR" altLang="en-US" sz="900" b="1" spc="-30" baseline="0" dirty="0">
+                        <a:solidFill>
+                          <a:schemeClr val="tx1">
+                            <a:lumMod val="75000"/>
+                            <a:lumOff val="25000"/>
+                          </a:schemeClr>
+                        </a:solidFill>
+                        <a:latin typeface="+mj-ea"/>
+                        <a:ea typeface="+mj-ea"/>
+                      </a:endParaRPr>
+                    </a:p>
+                  </a:txBody>
+                  <a:tcPr marL="91449" marR="91449" marT="45759" marB="45759" anchor="ctr">
+                    <a:lnL w="6350" cap="flat" cmpd="sng" algn="ctr">
+                      <a:noFill/>
+                      <a:prstDash val="solid"/>
+                      <a:round/>
+                      <a:headEnd type="none" w="med" len="med"/>
+                      <a:tailEnd type="none" w="med" len="med"/>
+                    </a:lnL>
+                    <a:lnR w="6350" cap="flat" cmpd="sng" algn="ctr">
+                      <a:noFill/>
+                      <a:prstDash val="solid"/>
+                      <a:round/>
+                      <a:headEnd type="none" w="med" len="med"/>
+                      <a:tailEnd type="none" w="med" len="med"/>
+                    </a:lnR>
+                    <a:lnT w="3175" cap="flat" cmpd="sng" algn="ctr">
+                      <a:solidFill>
+                        <a:schemeClr val="tx1"/>
+                      </a:solidFill>
+                      <a:prstDash val="solid"/>
+                      <a:round/>
+                      <a:headEnd type="none" w="med" len="med"/>
+                      <a:tailEnd type="none" w="med" len="med"/>
+                    </a:lnT>
+                    <a:lnB w="3175" cap="flat" cmpd="sng" algn="ctr">
+                      <a:solidFill>
+                        <a:schemeClr val="bg1">
+                          <a:lumMod val="65000"/>
+                        </a:schemeClr>
+                      </a:solidFill>
+                      <a:prstDash val="solid"/>
+                      <a:round/>
+                      <a:headEnd type="none" w="med" len="med"/>
+                      <a:tailEnd type="none" w="med" len="med"/>
+                    </a:lnB>
+                    <a:solidFill>
+                      <a:schemeClr val="bg1">
+                        <a:lumMod val="95000"/>
+                      </a:schemeClr>
+                    </a:solidFill>
+                  </a:tcPr>
+                </a:tc>
+                <a:tc>
+                  <a:txBody>
+                    <a:bodyPr/>
+                    <a:lstStyle/>
+                    <a:p>
+                      <a:pPr marL="0" indent="0" algn="ctr" latinLnBrk="1">
+                        <a:buFont typeface="Arial" pitchFamily="34" charset="0"/>
+                        <a:buNone/>
+                      </a:pPr>
+                      <a:endParaRPr lang="ko-KR" altLang="en-US" sz="900" b="0" spc="-30" baseline="0" dirty="0">
+                        <a:solidFill>
+                          <a:schemeClr val="tx1">
+                            <a:lumMod val="75000"/>
+                            <a:lumOff val="25000"/>
+                          </a:schemeClr>
+                        </a:solidFill>
+                        <a:latin typeface="+mj-ea"/>
+                        <a:ea typeface="+mj-ea"/>
+                      </a:endParaRPr>
+                    </a:p>
+                  </a:txBody>
+                  <a:tcPr marL="91449" marR="91449" marT="45759" marB="45759" anchor="ctr">
+                    <a:lnL w="6350" cap="flat" cmpd="sng" algn="ctr">
+                      <a:noFill/>
+                      <a:prstDash val="solid"/>
+                      <a:round/>
+                      <a:headEnd type="none" w="med" len="med"/>
+                      <a:tailEnd type="none" w="med" len="med"/>
+                    </a:lnL>
+                    <a:lnR w="3175" cap="flat" cmpd="sng" algn="ctr">
+                      <a:solidFill>
+                        <a:schemeClr val="tx1"/>
+                      </a:solidFill>
+                      <a:prstDash val="solid"/>
+                      <a:round/>
+                      <a:headEnd type="none" w="med" len="med"/>
+                      <a:tailEnd type="none" w="med" len="med"/>
+                    </a:lnR>
+                    <a:lnT w="3175" cap="flat" cmpd="sng" algn="ctr">
+                      <a:solidFill>
+                        <a:schemeClr val="tx1"/>
+                      </a:solidFill>
+                      <a:prstDash val="solid"/>
+                      <a:round/>
+                      <a:headEnd type="none" w="med" len="med"/>
+                      <a:tailEnd type="none" w="med" len="med"/>
+                    </a:lnT>
+                    <a:lnB w="3175" cap="flat" cmpd="sng" algn="ctr">
+                      <a:solidFill>
+                        <a:schemeClr val="bg1">
+                          <a:lumMod val="65000"/>
+                        </a:schemeClr>
+                      </a:solidFill>
+                      <a:prstDash val="solid"/>
+                      <a:round/>
+                      <a:headEnd type="none" w="med" len="med"/>
+                      <a:tailEnd type="none" w="med" len="med"/>
+                    </a:lnB>
+                    <a:solidFill>
+                      <a:schemeClr val="bg1"/>
+                    </a:solidFill>
+                  </a:tcPr>
+                </a:tc>
+                <a:extLst>
+                  <a:ext uri="{0D108BD9-81ED-4DB2-BD59-A6C34878D82A}">
+                    <a16:rowId xmlns:a16="http://schemas.microsoft.com/office/drawing/2014/main" val="10000"/>
+                  </a:ext>
+                </a:extLst>
+              </a:tr>
+              <a:tr h="303213">
+                <a:tc>
+                  <a:txBody>
+                    <a:bodyPr/>
+                    <a:lstStyle/>
+                    <a:p>
+                      <a:pPr marL="0" indent="0" algn="ctr" latinLnBrk="1">
+                        <a:buFont typeface="Arial" pitchFamily="34" charset="0"/>
+                        <a:buNone/>
+                      </a:pPr>
+                      <a:r>
+                        <a:rPr lang="ko-KR" altLang="en-US" sz="900" b="1" spc="-30" baseline="0" dirty="0" smtClean="0">
+                          <a:solidFill>
+                            <a:schemeClr val="tx1">
+                              <a:lumMod val="75000"/>
+                              <a:lumOff val="25000"/>
+                            </a:schemeClr>
+                          </a:solidFill>
+                          <a:latin typeface="+mj-ea"/>
+                          <a:ea typeface="+mj-ea"/>
+                        </a:rPr>
+                        <a:t>페이지 설명</a:t>
+                      </a:r>
+                      <a:endParaRPr lang="ko-KR" altLang="en-US" sz="900" b="1" spc="-30" baseline="0" dirty="0">
+                        <a:solidFill>
+                          <a:schemeClr val="tx1">
+                            <a:lumMod val="75000"/>
+                            <a:lumOff val="25000"/>
+                          </a:schemeClr>
+                        </a:solidFill>
+                        <a:latin typeface="+mj-ea"/>
+                        <a:ea typeface="+mj-ea"/>
+                      </a:endParaRPr>
+                    </a:p>
+                  </a:txBody>
+                  <a:tcPr marL="91449" marR="91449" marT="45759" marB="45759" anchor="ctr">
+                    <a:lnL w="3175" cap="flat" cmpd="sng" algn="ctr">
+                      <a:solidFill>
+                        <a:schemeClr val="tx1"/>
+                      </a:solidFill>
+                      <a:prstDash val="solid"/>
+                      <a:round/>
+                      <a:headEnd type="none" w="med" len="med"/>
+                      <a:tailEnd type="none" w="med" len="med"/>
+                    </a:lnL>
+                    <a:lnR w="6350" cap="flat" cmpd="sng" algn="ctr">
+                      <a:noFill/>
+                      <a:prstDash val="solid"/>
+                      <a:round/>
+                      <a:headEnd type="none" w="med" len="med"/>
+                      <a:tailEnd type="none" w="med" len="med"/>
+                    </a:lnR>
+                    <a:lnT w="3175" cap="flat" cmpd="sng" algn="ctr">
+                      <a:solidFill>
+                        <a:schemeClr val="bg1">
+                          <a:lumMod val="65000"/>
+                        </a:schemeClr>
+                      </a:solidFill>
+                      <a:prstDash val="solid"/>
+                      <a:round/>
+                      <a:headEnd type="none" w="med" len="med"/>
+                      <a:tailEnd type="none" w="med" len="med"/>
+                    </a:lnT>
+                    <a:lnB w="3175" cap="flat" cmpd="sng" algn="ctr">
+                      <a:solidFill>
+                        <a:schemeClr val="tx1"/>
+                      </a:solidFill>
+                      <a:prstDash val="solid"/>
+                      <a:round/>
+                      <a:headEnd type="none" w="med" len="med"/>
+                      <a:tailEnd type="none" w="med" len="med"/>
+                    </a:lnB>
+                    <a:solidFill>
+                      <a:schemeClr val="bg1">
+                        <a:lumMod val="95000"/>
+                      </a:schemeClr>
+                    </a:solidFill>
+                  </a:tcPr>
+                </a:tc>
+                <a:tc gridSpan="5">
+                  <a:txBody>
+                    <a:bodyPr/>
+                    <a:lstStyle/>
+                    <a:p>
+                      <a:pPr marL="0" indent="0" algn="l" latinLnBrk="1">
+                        <a:buFont typeface="Arial" pitchFamily="34" charset="0"/>
+                        <a:buNone/>
+                      </a:pPr>
+                      <a:endParaRPr lang="ko-KR" altLang="en-US" sz="900" b="0" spc="-30" baseline="0" dirty="0">
+                        <a:solidFill>
+                          <a:schemeClr val="tx1">
+                            <a:lumMod val="75000"/>
+                            <a:lumOff val="25000"/>
+                          </a:schemeClr>
+                        </a:solidFill>
+                        <a:latin typeface="+mj-ea"/>
+                        <a:ea typeface="+mj-ea"/>
+                      </a:endParaRPr>
+                    </a:p>
+                  </a:txBody>
+                  <a:tcPr marL="91449" marR="91449" marT="45759" marB="45759" anchor="ctr">
+                    <a:lnL w="6350" cap="flat" cmpd="sng" algn="ctr">
+                      <a:noFill/>
+                      <a:prstDash val="solid"/>
+                      <a:round/>
+                      <a:headEnd type="none" w="med" len="med"/>
+                      <a:tailEnd type="none" w="med" len="med"/>
+                    </a:lnL>
+                    <a:lnR w="6350" cap="flat" cmpd="sng" algn="ctr">
+                      <a:noFill/>
+                      <a:prstDash val="solid"/>
+                      <a:round/>
+                      <a:headEnd type="none" w="med" len="med"/>
+                      <a:tailEnd type="none" w="med" len="med"/>
+                    </a:lnR>
+                    <a:lnT w="3175" cap="flat" cmpd="sng" algn="ctr">
+                      <a:solidFill>
+                        <a:schemeClr val="bg1">
+                          <a:lumMod val="65000"/>
+                        </a:schemeClr>
+                      </a:solidFill>
+                      <a:prstDash val="solid"/>
+                      <a:round/>
+                      <a:headEnd type="none" w="med" len="med"/>
+                      <a:tailEnd type="none" w="med" len="med"/>
+                    </a:lnT>
+                    <a:lnB w="3175" cap="flat" cmpd="sng" algn="ctr">
+                      <a:solidFill>
+                        <a:schemeClr val="tx1"/>
+                      </a:solidFill>
+                      <a:prstDash val="solid"/>
+                      <a:round/>
+                      <a:headEnd type="none" w="med" len="med"/>
+                      <a:tailEnd type="none" w="med" len="med"/>
+                    </a:lnB>
+                    <a:solidFill>
+                      <a:schemeClr val="bg1"/>
+                    </a:solidFill>
+                  </a:tcPr>
+                </a:tc>
+                <a:tc hMerge="1">
+                  <a:txBody>
+                    <a:bodyPr/>
+                    <a:lstStyle/>
+                    <a:p>
+                      <a:pPr marL="0" indent="0" algn="ctr" latinLnBrk="1">
+                        <a:buFont typeface="Arial" pitchFamily="34" charset="0"/>
+                        <a:buNone/>
+                      </a:pPr>
+                      <a:endParaRPr lang="ko-KR" altLang="en-US" sz="900" b="0" dirty="0">
+                        <a:solidFill>
+                          <a:schemeClr val="tx1">
+                            <a:lumMod val="75000"/>
+                            <a:lumOff val="25000"/>
+                          </a:schemeClr>
+                        </a:solidFill>
+                        <a:latin typeface="Noto Sans CJK KR Medium" pitchFamily="34" charset="-127"/>
+                        <a:ea typeface="Noto Sans CJK KR Medium" pitchFamily="34" charset="-127"/>
+                      </a:endParaRPr>
+                    </a:p>
+                  </a:txBody>
+                  <a:tcPr anchor="ctr">
+                    <a:lnL w="3175" cap="flat" cmpd="sng" algn="ctr">
+                      <a:solidFill>
+                        <a:schemeClr val="tx1"/>
+                      </a:solidFill>
+                      <a:prstDash val="solid"/>
+                      <a:round/>
+                      <a:headEnd type="none" w="med" len="med"/>
+                      <a:tailEnd type="none" w="med" len="med"/>
+                    </a:lnL>
+                    <a:lnR w="3175" cap="flat" cmpd="sng" algn="ctr">
+                      <a:solidFill>
+                        <a:schemeClr val="tx1"/>
+                      </a:solidFill>
+                      <a:prstDash val="solid"/>
+                      <a:round/>
+                      <a:headEnd type="none" w="med" len="med"/>
+                      <a:tailEnd type="none" w="med" len="med"/>
+                    </a:lnR>
+                    <a:lnT w="3175" cap="flat" cmpd="sng" algn="ctr">
+                      <a:solidFill>
+                        <a:schemeClr val="tx1"/>
+                      </a:solidFill>
+                      <a:prstDash val="solid"/>
+                      <a:round/>
+                      <a:headEnd type="none" w="med" len="med"/>
+                      <a:tailEnd type="none" w="med" len="med"/>
+                    </a:lnT>
+                    <a:lnB w="3175" cap="flat" cmpd="sng" algn="ctr">
+                      <a:solidFill>
+                        <a:schemeClr val="tx1"/>
+                      </a:solidFill>
+                      <a:prstDash val="solid"/>
+                      <a:round/>
+                      <a:headEnd type="none" w="med" len="med"/>
+                      <a:tailEnd type="none" w="med" len="med"/>
+                    </a:lnB>
+                    <a:solidFill>
+                      <a:schemeClr val="bg1">
+                        <a:lumMod val="95000"/>
+                      </a:schemeClr>
+                    </a:solidFill>
+                  </a:tcPr>
+                </a:tc>
+                <a:tc hMerge="1">
+                  <a:txBody>
+                    <a:bodyPr/>
+                    <a:lstStyle/>
+                    <a:p>
+                      <a:pPr marL="0" indent="0" algn="l" latinLnBrk="1">
+                        <a:buFont typeface="Arial" pitchFamily="34" charset="0"/>
+                        <a:buNone/>
+                      </a:pPr>
+                      <a:endParaRPr lang="ko-KR" altLang="en-US" sz="900" b="0" dirty="0">
+                        <a:solidFill>
+                          <a:schemeClr val="tx1">
+                            <a:lumMod val="75000"/>
+                            <a:lumOff val="25000"/>
+                          </a:schemeClr>
+                        </a:solidFill>
+                        <a:latin typeface="Noto Sans CJK KR Light" pitchFamily="34" charset="-127"/>
+                        <a:ea typeface="Noto Sans CJK KR Light" pitchFamily="34" charset="-127"/>
+                      </a:endParaRPr>
+                    </a:p>
+                  </a:txBody>
+                  <a:tcPr anchor="ctr">
+                    <a:lnL w="3175" cap="flat" cmpd="sng" algn="ctr">
+                      <a:solidFill>
+                        <a:schemeClr val="tx1"/>
+                      </a:solidFill>
+                      <a:prstDash val="solid"/>
+                      <a:round/>
+                      <a:headEnd type="none" w="med" len="med"/>
+                      <a:tailEnd type="none" w="med" len="med"/>
+                    </a:lnL>
+                    <a:lnR w="3175" cap="flat" cmpd="sng" algn="ctr">
+                      <a:solidFill>
+                        <a:schemeClr val="tx1"/>
+                      </a:solidFill>
+                      <a:prstDash val="solid"/>
+                      <a:round/>
+                      <a:headEnd type="none" w="med" len="med"/>
+                      <a:tailEnd type="none" w="med" len="med"/>
+                    </a:lnR>
+                    <a:lnT w="3175" cap="flat" cmpd="sng" algn="ctr">
+                      <a:solidFill>
+                        <a:schemeClr val="tx1"/>
+                      </a:solidFill>
+                      <a:prstDash val="solid"/>
+                      <a:round/>
+                      <a:headEnd type="none" w="med" len="med"/>
+                      <a:tailEnd type="none" w="med" len="med"/>
+                    </a:lnT>
+                    <a:lnB w="3175" cap="flat" cmpd="sng" algn="ctr">
+                      <a:solidFill>
+                        <a:schemeClr val="tx1"/>
+                      </a:solidFill>
+                      <a:prstDash val="solid"/>
+                      <a:round/>
+                      <a:headEnd type="none" w="med" len="med"/>
+                      <a:tailEnd type="none" w="med" len="med"/>
+                    </a:lnB>
+                    <a:solidFill>
+                      <a:schemeClr val="bg1"/>
+                    </a:solidFill>
+                  </a:tcPr>
+                </a:tc>
+                <a:tc hMerge="1">
+                  <a:txBody>
+                    <a:bodyPr/>
+                    <a:lstStyle/>
+                    <a:p>
+                      <a:pPr latinLnBrk="1"/>
+                      <a:endParaRPr lang="ko-KR" altLang="en-US"/>
+                    </a:p>
+                  </a:txBody>
+                  <a:tcPr/>
+                </a:tc>
+                <a:tc hMerge="1">
+                  <a:txBody>
+                    <a:bodyPr/>
+                    <a:lstStyle/>
+                    <a:p>
+                      <a:pPr latinLnBrk="1"/>
+                      <a:endParaRPr lang="ko-KR" altLang="en-US"/>
+                    </a:p>
+                  </a:txBody>
+                  <a:tcPr/>
+                </a:tc>
+                <a:tc>
+                  <a:txBody>
+                    <a:bodyPr/>
+                    <a:lstStyle/>
+                    <a:p>
+                      <a:pPr marL="0" indent="0" algn="ctr" latinLnBrk="1">
+                        <a:buFont typeface="Arial" pitchFamily="34" charset="0"/>
+                        <a:buNone/>
+                      </a:pPr>
+                      <a:r>
+                        <a:rPr lang="ko-KR" altLang="en-US" sz="900" b="1" spc="-30" baseline="0" dirty="0" smtClean="0">
+                          <a:solidFill>
+                            <a:schemeClr val="tx1">
+                              <a:lumMod val="75000"/>
+                              <a:lumOff val="25000"/>
+                            </a:schemeClr>
+                          </a:solidFill>
+                          <a:latin typeface="+mj-ea"/>
+                          <a:ea typeface="+mj-ea"/>
+                        </a:rPr>
+                        <a:t>최종 수정일</a:t>
+                      </a:r>
+                      <a:endParaRPr lang="ko-KR" altLang="en-US" sz="900" b="1" spc="-30" baseline="0" dirty="0">
+                        <a:solidFill>
+                          <a:schemeClr val="tx1">
+                            <a:lumMod val="75000"/>
+                            <a:lumOff val="25000"/>
+                          </a:schemeClr>
+                        </a:solidFill>
+                        <a:latin typeface="+mj-ea"/>
+                        <a:ea typeface="+mj-ea"/>
+                      </a:endParaRPr>
+                    </a:p>
+                  </a:txBody>
+                  <a:tcPr marL="91449" marR="91449" marT="45759" marB="45759" anchor="ctr">
+                    <a:lnL w="6350" cap="flat" cmpd="sng" algn="ctr">
+                      <a:noFill/>
+                      <a:prstDash val="solid"/>
+                      <a:round/>
+                      <a:headEnd type="none" w="med" len="med"/>
+                      <a:tailEnd type="none" w="med" len="med"/>
+                    </a:lnL>
+                    <a:lnR w="6350" cap="flat" cmpd="sng" algn="ctr">
+                      <a:noFill/>
+                      <a:prstDash val="solid"/>
+                      <a:round/>
+                      <a:headEnd type="none" w="med" len="med"/>
+                      <a:tailEnd type="none" w="med" len="med"/>
+                    </a:lnR>
+                    <a:lnT w="3175" cap="flat" cmpd="sng" algn="ctr">
+                      <a:solidFill>
+                        <a:schemeClr val="bg1">
+                          <a:lumMod val="65000"/>
+                        </a:schemeClr>
+                      </a:solidFill>
+                      <a:prstDash val="solid"/>
+                      <a:round/>
+                      <a:headEnd type="none" w="med" len="med"/>
+                      <a:tailEnd type="none" w="med" len="med"/>
+                    </a:lnT>
+                    <a:lnB w="3175" cap="flat" cmpd="sng" algn="ctr">
+                      <a:solidFill>
+                        <a:schemeClr val="tx1"/>
+                      </a:solidFill>
+                      <a:prstDash val="solid"/>
+                      <a:round/>
+                      <a:headEnd type="none" w="med" len="med"/>
+                      <a:tailEnd type="none" w="med" len="med"/>
+                    </a:lnB>
+                    <a:solidFill>
+                      <a:schemeClr val="bg1">
+                        <a:lumMod val="95000"/>
+                      </a:schemeClr>
+                    </a:solidFill>
+                  </a:tcPr>
+                </a:tc>
+                <a:tc>
+                  <a:txBody>
+                    <a:bodyPr/>
+                    <a:lstStyle/>
+                    <a:p>
+                      <a:pPr marL="0" indent="0" algn="ctr" latinLnBrk="1">
+                        <a:buFont typeface="Arial" pitchFamily="34" charset="0"/>
+                        <a:buNone/>
+                      </a:pPr>
+                      <a:endParaRPr lang="ko-KR" altLang="en-US" sz="900" b="0" spc="-30" baseline="0" dirty="0">
+                        <a:solidFill>
+                          <a:schemeClr val="tx1">
+                            <a:lumMod val="75000"/>
+                            <a:lumOff val="25000"/>
+                          </a:schemeClr>
+                        </a:solidFill>
+                        <a:latin typeface="+mj-ea"/>
+                        <a:ea typeface="+mj-ea"/>
+                      </a:endParaRPr>
+                    </a:p>
+                  </a:txBody>
+                  <a:tcPr marL="91449" marR="91449" marT="45759" marB="45759" anchor="ctr">
+                    <a:lnL w="6350" cap="flat" cmpd="sng" algn="ctr">
+                      <a:noFill/>
+                      <a:prstDash val="solid"/>
+                      <a:round/>
+                      <a:headEnd type="none" w="med" len="med"/>
+                      <a:tailEnd type="none" w="med" len="med"/>
+                    </a:lnL>
+                    <a:lnR w="6350" cap="flat" cmpd="sng" algn="ctr">
+                      <a:noFill/>
+                      <a:prstDash val="solid"/>
+                      <a:round/>
+                      <a:headEnd type="none" w="med" len="med"/>
+                      <a:tailEnd type="none" w="med" len="med"/>
+                    </a:lnR>
+                    <a:lnT w="3175" cap="flat" cmpd="sng" algn="ctr">
+                      <a:solidFill>
+                        <a:schemeClr val="bg1">
+                          <a:lumMod val="65000"/>
+                        </a:schemeClr>
+                      </a:solidFill>
+                      <a:prstDash val="solid"/>
+                      <a:round/>
+                      <a:headEnd type="none" w="med" len="med"/>
+                      <a:tailEnd type="none" w="med" len="med"/>
+                    </a:lnT>
+                    <a:lnB w="3175" cap="flat" cmpd="sng" algn="ctr">
+                      <a:solidFill>
+                        <a:schemeClr val="tx1"/>
+                      </a:solidFill>
+                      <a:prstDash val="solid"/>
+                      <a:round/>
+                      <a:headEnd type="none" w="med" len="med"/>
+                      <a:tailEnd type="none" w="med" len="med"/>
+                    </a:lnB>
+                    <a:solidFill>
+                      <a:schemeClr val="bg1"/>
+                    </a:solidFill>
+                  </a:tcPr>
+                </a:tc>
+                <a:tc>
+                  <a:txBody>
+                    <a:bodyPr/>
+                    <a:lstStyle/>
+                    <a:p>
+                      <a:pPr marL="0" indent="0" algn="ctr" latinLnBrk="1">
+                        <a:buFont typeface="Arial" pitchFamily="34" charset="0"/>
+                        <a:buNone/>
+                      </a:pPr>
+                      <a:r>
+                        <a:rPr lang="ko-KR" altLang="en-US" sz="900" b="1" spc="-30" baseline="0" dirty="0" smtClean="0">
+                          <a:solidFill>
+                            <a:schemeClr val="tx1">
+                              <a:lumMod val="75000"/>
+                              <a:lumOff val="25000"/>
+                            </a:schemeClr>
+                          </a:solidFill>
+                          <a:latin typeface="+mj-ea"/>
+                          <a:ea typeface="+mj-ea"/>
+                        </a:rPr>
+                        <a:t>작성자</a:t>
+                      </a:r>
+                      <a:endParaRPr lang="ko-KR" altLang="en-US" sz="900" b="1" spc="-30" baseline="0" dirty="0">
+                        <a:solidFill>
+                          <a:schemeClr val="tx1">
+                            <a:lumMod val="75000"/>
+                            <a:lumOff val="25000"/>
+                          </a:schemeClr>
+                        </a:solidFill>
+                        <a:latin typeface="+mj-ea"/>
+                        <a:ea typeface="+mj-ea"/>
+                      </a:endParaRPr>
+                    </a:p>
+                  </a:txBody>
+                  <a:tcPr marL="91449" marR="91449" marT="45759" marB="45759" anchor="ctr">
+                    <a:lnL w="6350" cap="flat" cmpd="sng" algn="ctr">
+                      <a:noFill/>
+                      <a:prstDash val="solid"/>
+                      <a:round/>
+                      <a:headEnd type="none" w="med" len="med"/>
+                      <a:tailEnd type="none" w="med" len="med"/>
+                    </a:lnL>
+                    <a:lnR w="6350" cap="flat" cmpd="sng" algn="ctr">
+                      <a:noFill/>
+                      <a:prstDash val="solid"/>
+                      <a:round/>
+                      <a:headEnd type="none" w="med" len="med"/>
+                      <a:tailEnd type="none" w="med" len="med"/>
+                    </a:lnR>
+                    <a:lnT w="3175" cap="flat" cmpd="sng" algn="ctr">
+                      <a:solidFill>
+                        <a:schemeClr val="bg1">
+                          <a:lumMod val="65000"/>
+                        </a:schemeClr>
+                      </a:solidFill>
+                      <a:prstDash val="solid"/>
+                      <a:round/>
+                      <a:headEnd type="none" w="med" len="med"/>
+                      <a:tailEnd type="none" w="med" len="med"/>
+                    </a:lnT>
+                    <a:lnB w="3175" cap="flat" cmpd="sng" algn="ctr">
+                      <a:solidFill>
+                        <a:schemeClr val="tx1"/>
+                      </a:solidFill>
+                      <a:prstDash val="solid"/>
+                      <a:round/>
+                      <a:headEnd type="none" w="med" len="med"/>
+                      <a:tailEnd type="none" w="med" len="med"/>
+                    </a:lnB>
+                    <a:solidFill>
+                      <a:schemeClr val="bg1">
+                        <a:lumMod val="95000"/>
+                      </a:schemeClr>
+                    </a:solidFill>
+                  </a:tcPr>
+                </a:tc>
+                <a:tc>
+                  <a:txBody>
+                    <a:bodyPr/>
+                    <a:lstStyle/>
+                    <a:p>
+                      <a:pPr marL="0" indent="0" algn="ctr" latinLnBrk="1">
+                        <a:buFont typeface="Arial" pitchFamily="34" charset="0"/>
+                        <a:buNone/>
+                      </a:pPr>
+                      <a:endParaRPr lang="ko-KR" altLang="en-US" sz="900" b="0" spc="-30" baseline="0" dirty="0">
+                        <a:solidFill>
+                          <a:schemeClr val="tx1">
+                            <a:lumMod val="75000"/>
+                            <a:lumOff val="25000"/>
+                          </a:schemeClr>
+                        </a:solidFill>
+                        <a:latin typeface="+mj-ea"/>
+                        <a:ea typeface="+mj-ea"/>
+                      </a:endParaRPr>
+                    </a:p>
+                  </a:txBody>
+                  <a:tcPr marL="91449" marR="91449" marT="45759" marB="45759" anchor="ctr">
+                    <a:lnL w="6350" cap="flat" cmpd="sng" algn="ctr">
+                      <a:noFill/>
+                      <a:prstDash val="solid"/>
+                      <a:round/>
+                      <a:headEnd type="none" w="med" len="med"/>
+                      <a:tailEnd type="none" w="med" len="med"/>
+                    </a:lnL>
+                    <a:lnR w="3175" cap="flat" cmpd="sng" algn="ctr">
+                      <a:solidFill>
+                        <a:schemeClr val="tx1"/>
+                      </a:solidFill>
+                      <a:prstDash val="solid"/>
+                      <a:round/>
+                      <a:headEnd type="none" w="med" len="med"/>
+                      <a:tailEnd type="none" w="med" len="med"/>
+                    </a:lnR>
+                    <a:lnT w="3175" cap="flat" cmpd="sng" algn="ctr">
+                      <a:solidFill>
+                        <a:schemeClr val="bg1">
+                          <a:lumMod val="65000"/>
+                        </a:schemeClr>
+                      </a:solidFill>
+                      <a:prstDash val="solid"/>
+                      <a:round/>
+                      <a:headEnd type="none" w="med" len="med"/>
+                      <a:tailEnd type="none" w="med" len="med"/>
+                    </a:lnT>
+                    <a:lnB w="3175" cap="flat" cmpd="sng" algn="ctr">
+                      <a:solidFill>
+                        <a:schemeClr val="tx1"/>
+                      </a:solidFill>
+                      <a:prstDash val="solid"/>
+                      <a:round/>
+                      <a:headEnd type="none" w="med" len="med"/>
+                      <a:tailEnd type="none" w="med" len="med"/>
+                    </a:lnB>
+                    <a:solidFill>
+                      <a:schemeClr val="bg1"/>
+                    </a:solidFill>
+                  </a:tcPr>
+                </a:tc>
+                <a:extLst>
+                  <a:ext uri="{0D108BD9-81ED-4DB2-BD59-A6C34878D82A}">
+                    <a16:rowId xmlns:a16="http://schemas.microsoft.com/office/drawing/2014/main" val="10001"/>
+                  </a:ext>
+                </a:extLst>
+              </a:tr>
+            </a:tbl>
+          </a:graphicData>
+        </a:graphic>
+      </p:graphicFrame>
+      <p:sp>
+        <p:nvSpPr>
+          <p:cNvPr id="43" name="직사각형 42"/>
+          <p:cNvSpPr/>
+          <p:nvPr/>
+        </p:nvSpPr>
+        <p:spPr>
+          <a:xfrm>
+            <a:off x="604838" y="1792823"/>
+            <a:ext cx="7110413" cy="5092609"/>
+          </a:xfrm>
+          <a:prstGeom prst="rect">
+            <a:avLst/>
+          </a:prstGeom>
+          <a:noFill/>
+          <a:ln w="9525">
+            <a:solidFill>
+              <a:schemeClr val="bg1">
+                <a:lumMod val="65000"/>
+              </a:schemeClr>
+            </a:solidFill>
+          </a:ln>
+        </p:spPr>
+        <p:style>
+          <a:lnRef idx="2">
+            <a:schemeClr val="accent1">
+              <a:shade val="50000"/>
+            </a:schemeClr>
+          </a:lnRef>
+          <a:fillRef idx="1">
+            <a:schemeClr val="accent1"/>
+          </a:fillRef>
+          <a:effectRef idx="0">
+            <a:schemeClr val="accent1"/>
+          </a:effectRef>
+          <a:fontRef idx="minor">
+            <a:schemeClr val="lt1"/>
+          </a:fontRef>
+        </p:style>
+        <p:txBody>
+          <a:bodyPr anchor="ctr"/>
+          <a:lstStyle/>
+          <a:p>
+            <a:pPr algn="ctr">
+              <a:defRPr/>
+            </a:pPr>
+            <a:endParaRPr lang="ko-KR" altLang="en-US"/>
+          </a:p>
+        </p:txBody>
+      </p:sp>
+      <p:graphicFrame>
+        <p:nvGraphicFramePr>
+          <p:cNvPr id="44" name="표 43"/>
+          <p:cNvGraphicFramePr>
+            <a:graphicFrameLocks noGrp="1"/>
+          </p:cNvGraphicFramePr>
+          <p:nvPr>
+            <p:extLst>
+              <p:ext uri="{D42A27DB-BD31-4B8C-83A1-F6EECF244321}">
+                <p14:modId xmlns:p14="http://schemas.microsoft.com/office/powerpoint/2010/main" val="3264395738"/>
+              </p:ext>
+            </p:extLst>
+          </p:nvPr>
+        </p:nvGraphicFramePr>
+        <p:xfrm>
+          <a:off x="7823201" y="1792823"/>
+          <a:ext cx="2268537" cy="5092609"/>
+        </p:xfrm>
+        <a:graphic>
+          <a:graphicData uri="http://schemas.openxmlformats.org/drawingml/2006/table">
+            <a:tbl>
+              <a:tblPr firstRow="1" bandRow="1">
+                <a:tableStyleId>{5C22544A-7EE6-4342-B048-85BDC9FD1C3A}</a:tableStyleId>
+              </a:tblPr>
+              <a:tblGrid>
+                <a:gridCol w="2268537">
+                  <a:extLst>
+                    <a:ext uri="{9D8B030D-6E8A-4147-A177-3AD203B41FA5}">
+                      <a16:colId xmlns:a16="http://schemas.microsoft.com/office/drawing/2014/main" val="20000"/>
+                    </a:ext>
+                  </a:extLst>
+                </a:gridCol>
+              </a:tblGrid>
+              <a:tr h="228926">
+                <a:tc>
+                  <a:txBody>
+                    <a:bodyPr/>
+                    <a:lstStyle/>
+                    <a:p>
+                      <a:pPr marL="0" indent="0" algn="ctr" latinLnBrk="1">
+                        <a:buFont typeface="Arial" pitchFamily="34" charset="0"/>
+                        <a:buNone/>
+                      </a:pPr>
+                      <a:r>
+                        <a:rPr lang="en-US" altLang="ko-KR" sz="900" b="1" dirty="0" smtClean="0">
+                          <a:solidFill>
+                            <a:schemeClr val="tx1">
+                              <a:lumMod val="75000"/>
+                              <a:lumOff val="25000"/>
+                            </a:schemeClr>
+                          </a:solidFill>
+                          <a:latin typeface="+mj-ea"/>
+                          <a:ea typeface="+mj-ea"/>
+                        </a:rPr>
+                        <a:t>Description</a:t>
+                      </a:r>
+                      <a:endParaRPr lang="ko-KR" altLang="en-US" sz="800" b="1" dirty="0">
+                        <a:solidFill>
+                          <a:schemeClr val="tx1">
+                            <a:lumMod val="75000"/>
+                            <a:lumOff val="25000"/>
+                          </a:schemeClr>
+                        </a:solidFill>
+                        <a:latin typeface="+mj-ea"/>
+                        <a:ea typeface="+mj-ea"/>
+                      </a:endParaRPr>
+                    </a:p>
+                  </a:txBody>
+                  <a:tcPr marL="91439" marR="91439" marT="45715" marB="45715" anchor="ctr">
+                    <a:lnL w="3175" cap="flat" cmpd="sng" algn="ctr">
+                      <a:solidFill>
+                        <a:schemeClr val="tx1"/>
+                      </a:solidFill>
+                      <a:prstDash val="solid"/>
+                      <a:round/>
+                      <a:headEnd type="none" w="med" len="med"/>
+                      <a:tailEnd type="none" w="med" len="med"/>
+                    </a:lnL>
+                    <a:lnR w="3175" cap="flat" cmpd="sng" algn="ctr">
+                      <a:solidFill>
+                        <a:schemeClr val="tx1"/>
+                      </a:solidFill>
+                      <a:prstDash val="solid"/>
+                      <a:round/>
+                      <a:headEnd type="none" w="med" len="med"/>
+                      <a:tailEnd type="none" w="med" len="med"/>
+                    </a:lnR>
+                    <a:lnT w="3175" cap="flat" cmpd="sng" algn="ctr">
+                      <a:solidFill>
+                        <a:schemeClr val="tx1"/>
+                      </a:solidFill>
+                      <a:prstDash val="solid"/>
+                      <a:round/>
+                      <a:headEnd type="none" w="med" len="med"/>
+                      <a:tailEnd type="none" w="med" len="med"/>
+                    </a:lnT>
+                    <a:lnB w="3175" cap="flat" cmpd="sng" algn="ctr">
+                      <a:solidFill>
+                        <a:schemeClr val="bg1">
+                          <a:lumMod val="65000"/>
+                        </a:schemeClr>
+                      </a:solidFill>
+                      <a:prstDash val="solid"/>
+                      <a:round/>
+                      <a:headEnd type="none" w="med" len="med"/>
+                      <a:tailEnd type="none" w="med" len="med"/>
+                    </a:lnB>
+                    <a:solidFill>
+                      <a:schemeClr val="bg1">
+                        <a:lumMod val="95000"/>
+                      </a:schemeClr>
+                    </a:solidFill>
+                  </a:tcPr>
+                </a:tc>
+                <a:extLst>
+                  <a:ext uri="{0D108BD9-81ED-4DB2-BD59-A6C34878D82A}">
+                    <a16:rowId xmlns:a16="http://schemas.microsoft.com/office/drawing/2014/main" val="10000"/>
+                  </a:ext>
+                </a:extLst>
+              </a:tr>
+              <a:tr h="4863683">
+                <a:tc>
+                  <a:txBody>
+                    <a:bodyPr/>
+                    <a:lstStyle/>
+                    <a:p>
+                      <a:pPr marL="0" indent="0" algn="l">
+                        <a:lnSpc>
+                          <a:spcPct val="150000"/>
+                        </a:lnSpc>
+                        <a:buNone/>
+                      </a:pPr>
+                      <a:r>
+                        <a:rPr lang="ko-KR" altLang="en-US" sz="900" b="1" kern="1200" spc="-30" dirty="0" smtClean="0">
+                          <a:solidFill>
+                            <a:schemeClr val="dk1"/>
+                          </a:solidFill>
+                          <a:latin typeface="+mj-ea"/>
+                          <a:ea typeface="+mn-ea"/>
+                          <a:cs typeface="+mn-cs"/>
+                        </a:rPr>
+                        <a:t>아이디</a:t>
+                      </a:r>
+                      <a:endParaRPr lang="en-US" altLang="ko-KR" sz="900" b="1" kern="1200" spc="-30" dirty="0" smtClean="0">
+                        <a:solidFill>
+                          <a:schemeClr val="dk1"/>
+                        </a:solidFill>
+                        <a:latin typeface="+mj-ea"/>
+                        <a:ea typeface="+mn-ea"/>
+                        <a:cs typeface="+mn-cs"/>
+                      </a:endParaRPr>
+                    </a:p>
+                    <a:p>
+                      <a:pPr>
+                        <a:lnSpc>
+                          <a:spcPct val="130000"/>
+                        </a:lnSpc>
+                      </a:pPr>
+                      <a:r>
+                        <a:rPr lang="en-US" altLang="ko-KR" sz="900" kern="1200" spc="-30" dirty="0" smtClean="0">
+                          <a:solidFill>
+                            <a:schemeClr val="dk1"/>
+                          </a:solidFill>
+                          <a:latin typeface="+mj-ea"/>
+                          <a:ea typeface="+mn-ea"/>
+                          <a:cs typeface="+mn-cs"/>
+                        </a:rPr>
+                        <a:t>- 5~15</a:t>
+                      </a:r>
+                      <a:r>
+                        <a:rPr lang="ko-KR" altLang="en-US" sz="900" kern="1200" spc="-30" dirty="0" smtClean="0">
+                          <a:solidFill>
+                            <a:schemeClr val="dk1"/>
+                          </a:solidFill>
+                          <a:latin typeface="+mj-ea"/>
+                          <a:ea typeface="+mn-ea"/>
+                          <a:cs typeface="+mn-cs"/>
+                        </a:rPr>
+                        <a:t>자</a:t>
+                      </a:r>
+                      <a:r>
+                        <a:rPr lang="en-US" altLang="ko-KR" sz="900" kern="1200" spc="-30" dirty="0" smtClean="0">
+                          <a:solidFill>
+                            <a:schemeClr val="dk1"/>
+                          </a:solidFill>
+                          <a:latin typeface="+mj-ea"/>
+                          <a:ea typeface="+mn-ea"/>
+                          <a:cs typeface="+mn-cs"/>
+                        </a:rPr>
+                        <a:t>, </a:t>
+                      </a:r>
+                      <a:r>
+                        <a:rPr lang="ko-KR" altLang="en-US" sz="900" kern="1200" spc="-30" dirty="0" smtClean="0">
+                          <a:solidFill>
+                            <a:schemeClr val="dk1"/>
+                          </a:solidFill>
+                          <a:latin typeface="+mj-ea"/>
+                          <a:ea typeface="+mn-ea"/>
+                          <a:cs typeface="+mn-cs"/>
+                        </a:rPr>
+                        <a:t>영문자</a:t>
+                      </a:r>
+                      <a:r>
+                        <a:rPr lang="en-US" altLang="ko-KR" sz="900" kern="1200" spc="-30" dirty="0" smtClean="0">
+                          <a:solidFill>
+                            <a:schemeClr val="dk1"/>
+                          </a:solidFill>
+                          <a:latin typeface="+mj-ea"/>
+                          <a:ea typeface="+mn-ea"/>
+                          <a:cs typeface="+mn-cs"/>
+                        </a:rPr>
+                        <a:t>, </a:t>
+                      </a:r>
+                      <a:r>
+                        <a:rPr lang="ko-KR" altLang="en-US" sz="900" kern="1200" spc="-30" dirty="0" smtClean="0">
+                          <a:solidFill>
+                            <a:schemeClr val="dk1"/>
+                          </a:solidFill>
+                          <a:latin typeface="+mj-ea"/>
+                          <a:ea typeface="+mn-ea"/>
+                          <a:cs typeface="+mn-cs"/>
+                        </a:rPr>
+                        <a:t>숫자</a:t>
+                      </a:r>
+                      <a:r>
+                        <a:rPr lang="en-US" altLang="ko-KR" sz="900" kern="1200" spc="-30" dirty="0" smtClean="0">
+                          <a:solidFill>
+                            <a:schemeClr val="dk1"/>
+                          </a:solidFill>
+                          <a:latin typeface="+mj-ea"/>
+                          <a:ea typeface="+mn-ea"/>
+                          <a:cs typeface="+mn-cs"/>
+                        </a:rPr>
+                        <a:t>, </a:t>
+                      </a:r>
+                      <a:r>
+                        <a:rPr lang="ko-KR" altLang="en-US" sz="900" kern="1200" spc="-30" dirty="0" smtClean="0">
+                          <a:solidFill>
+                            <a:schemeClr val="dk1"/>
+                          </a:solidFill>
+                          <a:latin typeface="+mj-ea"/>
+                          <a:ea typeface="+mn-ea"/>
+                          <a:cs typeface="+mn-cs"/>
+                        </a:rPr>
+                        <a:t>특수문자</a:t>
+                      </a:r>
+                      <a:endParaRPr lang="en-US" altLang="ko-KR" sz="900" kern="1200" spc="-30" dirty="0" smtClean="0">
+                        <a:solidFill>
+                          <a:schemeClr val="dk1"/>
+                        </a:solidFill>
+                        <a:latin typeface="+mj-ea"/>
+                        <a:ea typeface="+mn-ea"/>
+                        <a:cs typeface="+mn-cs"/>
+                      </a:endParaRPr>
+                    </a:p>
+                    <a:p>
+                      <a:pPr>
+                        <a:lnSpc>
+                          <a:spcPct val="130000"/>
+                        </a:lnSpc>
+                      </a:pPr>
+                      <a:r>
+                        <a:rPr lang="en-US" altLang="ko-KR" sz="900" spc="-30" dirty="0" smtClean="0">
+                          <a:latin typeface="+mj-ea"/>
+                        </a:rPr>
+                        <a:t>- </a:t>
+                      </a:r>
+                      <a:r>
+                        <a:rPr lang="ko-KR" altLang="en-US" sz="900" spc="-30" dirty="0" smtClean="0">
+                          <a:latin typeface="+mj-ea"/>
+                        </a:rPr>
+                        <a:t>특수문자 중 </a:t>
+                      </a:r>
+                      <a:r>
+                        <a:rPr lang="en-US" altLang="ko-KR" sz="900" spc="-30" dirty="0" smtClean="0">
+                          <a:latin typeface="+mj-ea"/>
+                        </a:rPr>
+                        <a:t>&lt;,&gt;,(,),#,`,/,| </a:t>
+                      </a:r>
+                      <a:r>
+                        <a:rPr lang="ko-KR" altLang="en-US" sz="900" spc="-30" dirty="0" smtClean="0">
+                          <a:latin typeface="+mj-ea"/>
+                        </a:rPr>
+                        <a:t>사용 금지</a:t>
+                      </a:r>
+                      <a:endParaRPr lang="en-US" altLang="ko-KR" sz="900" spc="-30" dirty="0" smtClean="0">
+                        <a:latin typeface="+mj-ea"/>
+                      </a:endParaRPr>
+                    </a:p>
+                    <a:p>
+                      <a:pPr marL="171450" indent="-171450">
+                        <a:lnSpc>
+                          <a:spcPct val="130000"/>
+                        </a:lnSpc>
+                        <a:buFontTx/>
+                        <a:buChar char="-"/>
+                      </a:pPr>
+                      <a:r>
+                        <a:rPr lang="ko-KR" altLang="en-US" sz="900" spc="-30" dirty="0" smtClean="0">
+                          <a:latin typeface="+mj-ea"/>
+                        </a:rPr>
+                        <a:t>공백 금지</a:t>
+                      </a:r>
+                      <a:endParaRPr lang="en-US" altLang="ko-KR" sz="900" spc="-30" dirty="0" smtClean="0">
+                        <a:latin typeface="+mj-ea"/>
+                      </a:endParaRPr>
+                    </a:p>
+                    <a:p>
+                      <a:pPr marL="0" indent="0">
+                        <a:lnSpc>
+                          <a:spcPct val="130000"/>
+                        </a:lnSpc>
+                        <a:buFontTx/>
+                        <a:buNone/>
+                      </a:pPr>
+                      <a:endParaRPr lang="en-US" altLang="ko-KR" sz="900" b="1" kern="1200" spc="-30" dirty="0" smtClean="0">
+                        <a:solidFill>
+                          <a:schemeClr val="dk1"/>
+                        </a:solidFill>
+                        <a:latin typeface="+mj-ea"/>
+                        <a:ea typeface="+mn-ea"/>
+                        <a:cs typeface="+mn-cs"/>
+                      </a:endParaRPr>
+                    </a:p>
+                    <a:p>
+                      <a:pPr marL="0" indent="0">
+                        <a:lnSpc>
+                          <a:spcPct val="130000"/>
+                        </a:lnSpc>
+                        <a:buFontTx/>
+                        <a:buNone/>
+                      </a:pPr>
+                      <a:r>
+                        <a:rPr lang="ko-KR" altLang="en-US" sz="900" b="1" kern="1200" spc="-30" dirty="0" smtClean="0">
+                          <a:solidFill>
+                            <a:schemeClr val="dk1"/>
+                          </a:solidFill>
+                          <a:latin typeface="+mj-ea"/>
+                          <a:ea typeface="+mn-ea"/>
+                          <a:cs typeface="+mn-cs"/>
+                        </a:rPr>
+                        <a:t>비밀번호</a:t>
+                      </a:r>
+                      <a:endParaRPr lang="en-US" altLang="ko-KR" sz="900" spc="-30" dirty="0" smtClean="0">
+                        <a:latin typeface="+mj-ea"/>
+                      </a:endParaRPr>
+                    </a:p>
+                    <a:p>
+                      <a:pPr>
+                        <a:lnSpc>
+                          <a:spcPct val="130000"/>
+                        </a:lnSpc>
+                      </a:pPr>
+                      <a:r>
+                        <a:rPr lang="en-US" altLang="ko-KR" sz="900" kern="1200" spc="-30" dirty="0" smtClean="0">
+                          <a:solidFill>
+                            <a:schemeClr val="dk1"/>
+                          </a:solidFill>
+                          <a:latin typeface="+mj-ea"/>
+                          <a:ea typeface="+mn-ea"/>
+                          <a:cs typeface="+mn-cs"/>
+                        </a:rPr>
+                        <a:t>- 8~16</a:t>
+                      </a:r>
+                      <a:r>
+                        <a:rPr lang="ko-KR" altLang="en-US" sz="900" kern="1200" spc="-30" dirty="0" smtClean="0">
+                          <a:solidFill>
+                            <a:schemeClr val="dk1"/>
+                          </a:solidFill>
+                          <a:latin typeface="+mj-ea"/>
+                          <a:ea typeface="+mn-ea"/>
+                          <a:cs typeface="+mn-cs"/>
+                        </a:rPr>
+                        <a:t>자</a:t>
+                      </a:r>
+                      <a:endParaRPr lang="en-US" altLang="ko-KR" sz="900" kern="1200" spc="-30" dirty="0" smtClean="0">
+                        <a:solidFill>
+                          <a:schemeClr val="dk1"/>
+                        </a:solidFill>
+                        <a:latin typeface="+mj-ea"/>
+                        <a:ea typeface="+mn-ea"/>
+                        <a:cs typeface="+mn-cs"/>
+                      </a:endParaRPr>
+                    </a:p>
+                    <a:p>
+                      <a:pPr>
+                        <a:lnSpc>
+                          <a:spcPct val="130000"/>
+                        </a:lnSpc>
+                      </a:pPr>
+                      <a:r>
+                        <a:rPr lang="en-US" altLang="ko-KR" sz="900" kern="1200" spc="-30" dirty="0" smtClean="0">
+                          <a:solidFill>
+                            <a:schemeClr val="dk1"/>
+                          </a:solidFill>
+                          <a:latin typeface="+mj-ea"/>
+                          <a:ea typeface="+mn-ea"/>
+                          <a:cs typeface="+mn-cs"/>
+                        </a:rPr>
+                        <a:t>- </a:t>
+                      </a:r>
+                      <a:r>
+                        <a:rPr lang="ko-KR" altLang="en-US" sz="900" kern="1200" spc="-30" dirty="0" smtClean="0">
+                          <a:solidFill>
+                            <a:schemeClr val="dk1"/>
+                          </a:solidFill>
+                          <a:latin typeface="+mj-ea"/>
+                          <a:ea typeface="+mn-ea"/>
+                          <a:cs typeface="+mn-cs"/>
+                        </a:rPr>
+                        <a:t>반드시 영문 대소문자</a:t>
+                      </a:r>
+                      <a:r>
+                        <a:rPr lang="en-US" altLang="ko-KR" sz="900" kern="1200" spc="-30" dirty="0" smtClean="0">
+                          <a:solidFill>
+                            <a:schemeClr val="dk1"/>
+                          </a:solidFill>
+                          <a:latin typeface="+mj-ea"/>
+                          <a:ea typeface="+mn-ea"/>
+                          <a:cs typeface="+mn-cs"/>
+                        </a:rPr>
+                        <a:t>/</a:t>
+                      </a:r>
+                      <a:r>
+                        <a:rPr lang="ko-KR" altLang="en-US" sz="900" kern="1200" spc="-30" dirty="0" smtClean="0">
+                          <a:solidFill>
+                            <a:schemeClr val="dk1"/>
+                          </a:solidFill>
+                          <a:latin typeface="+mj-ea"/>
+                          <a:ea typeface="+mn-ea"/>
+                          <a:cs typeface="+mn-cs"/>
+                        </a:rPr>
+                        <a:t>숫자</a:t>
+                      </a:r>
+                      <a:r>
+                        <a:rPr lang="en-US" altLang="ko-KR" sz="900" kern="1200" spc="-30" dirty="0" smtClean="0">
+                          <a:solidFill>
+                            <a:schemeClr val="dk1"/>
+                          </a:solidFill>
+                          <a:latin typeface="+mj-ea"/>
+                          <a:ea typeface="+mn-ea"/>
+                          <a:cs typeface="+mn-cs"/>
+                        </a:rPr>
+                        <a:t>/</a:t>
+                      </a:r>
+                      <a:r>
+                        <a:rPr lang="ko-KR" altLang="en-US" sz="900" kern="1200" spc="-30" dirty="0" smtClean="0">
+                          <a:solidFill>
+                            <a:schemeClr val="dk1"/>
+                          </a:solidFill>
+                          <a:latin typeface="+mj-ea"/>
+                          <a:ea typeface="+mn-ea"/>
+                          <a:cs typeface="+mn-cs"/>
+                        </a:rPr>
+                        <a:t>특수문자가 각 </a:t>
+                      </a:r>
+                      <a:r>
+                        <a:rPr lang="en-US" altLang="ko-KR" sz="900" kern="1200" spc="-30" dirty="0" smtClean="0">
+                          <a:solidFill>
+                            <a:schemeClr val="dk1"/>
+                          </a:solidFill>
+                          <a:latin typeface="+mj-ea"/>
+                          <a:ea typeface="+mn-ea"/>
+                          <a:cs typeface="+mn-cs"/>
+                        </a:rPr>
+                        <a:t>1</a:t>
+                      </a:r>
+                      <a:r>
+                        <a:rPr lang="ko-KR" altLang="en-US" sz="900" kern="1200" spc="-30" dirty="0" smtClean="0">
+                          <a:solidFill>
+                            <a:schemeClr val="dk1"/>
+                          </a:solidFill>
+                          <a:latin typeface="+mj-ea"/>
+                          <a:ea typeface="+mn-ea"/>
+                          <a:cs typeface="+mn-cs"/>
+                        </a:rPr>
+                        <a:t>자리 이상 포함</a:t>
+                      </a:r>
+                      <a:r>
+                        <a:rPr lang="en-US" altLang="ko-KR" sz="900" kern="1200" spc="-30" dirty="0" smtClean="0">
+                          <a:solidFill>
+                            <a:schemeClr val="dk1"/>
+                          </a:solidFill>
+                          <a:latin typeface="+mj-ea"/>
+                          <a:ea typeface="+mn-ea"/>
+                          <a:cs typeface="+mn-cs"/>
+                        </a:rPr>
+                        <a:t>.</a:t>
+                      </a:r>
+                    </a:p>
+                    <a:p>
+                      <a:pPr>
+                        <a:lnSpc>
+                          <a:spcPct val="130000"/>
+                        </a:lnSpc>
+                      </a:pPr>
+                      <a:r>
+                        <a:rPr lang="en-US" altLang="ko-KR" sz="900" kern="1200" spc="-30" dirty="0" smtClean="0">
+                          <a:solidFill>
+                            <a:schemeClr val="dk1"/>
+                          </a:solidFill>
+                          <a:latin typeface="+mj-ea"/>
+                          <a:ea typeface="+mn-ea"/>
+                          <a:cs typeface="+mn-cs"/>
+                        </a:rPr>
+                        <a:t>- </a:t>
+                      </a:r>
+                      <a:r>
+                        <a:rPr lang="ko-KR" altLang="en-US" sz="900" kern="1200" spc="-30" dirty="0" smtClean="0">
+                          <a:solidFill>
+                            <a:schemeClr val="dk1"/>
+                          </a:solidFill>
+                          <a:latin typeface="+mj-ea"/>
+                          <a:ea typeface="+mn-ea"/>
+                          <a:cs typeface="+mn-cs"/>
+                        </a:rPr>
+                        <a:t>특수문자 중 </a:t>
+                      </a:r>
+                      <a:r>
+                        <a:rPr lang="en-US" altLang="ko-KR" sz="900" kern="1200" spc="-30" dirty="0" smtClean="0">
+                          <a:solidFill>
+                            <a:schemeClr val="dk1"/>
+                          </a:solidFill>
+                          <a:latin typeface="+mj-ea"/>
+                          <a:ea typeface="+mn-ea"/>
+                          <a:cs typeface="+mn-cs"/>
+                        </a:rPr>
+                        <a:t>&lt;,&gt;,(,),#,`,/,| </a:t>
+                      </a:r>
+                      <a:r>
+                        <a:rPr lang="ko-KR" altLang="en-US" sz="900" kern="1200" spc="-30" dirty="0" smtClean="0">
+                          <a:solidFill>
+                            <a:schemeClr val="dk1"/>
+                          </a:solidFill>
+                          <a:latin typeface="+mj-ea"/>
+                          <a:ea typeface="+mn-ea"/>
+                          <a:cs typeface="+mn-cs"/>
+                        </a:rPr>
+                        <a:t>사용 금지</a:t>
+                      </a:r>
+                      <a:endParaRPr lang="en-US" altLang="ko-KR" sz="900" kern="1200" spc="-30" dirty="0" smtClean="0">
+                        <a:solidFill>
+                          <a:schemeClr val="dk1"/>
+                        </a:solidFill>
+                        <a:latin typeface="+mj-ea"/>
+                        <a:ea typeface="+mn-ea"/>
+                        <a:cs typeface="+mn-cs"/>
+                      </a:endParaRPr>
+                    </a:p>
+                    <a:p>
+                      <a:pPr>
+                        <a:lnSpc>
+                          <a:spcPct val="130000"/>
+                        </a:lnSpc>
+                      </a:pPr>
+                      <a:r>
+                        <a:rPr lang="en-US" altLang="ko-KR" sz="900" kern="1200" spc="-30" dirty="0" smtClean="0">
+                          <a:solidFill>
+                            <a:schemeClr val="dk1"/>
+                          </a:solidFill>
+                          <a:latin typeface="+mj-ea"/>
+                          <a:ea typeface="+mn-ea"/>
+                          <a:cs typeface="+mn-cs"/>
+                        </a:rPr>
+                        <a:t>- </a:t>
+                      </a:r>
+                      <a:r>
+                        <a:rPr lang="ko-KR" altLang="en-US" sz="900" kern="1200" spc="-30" dirty="0" smtClean="0">
+                          <a:solidFill>
+                            <a:schemeClr val="dk1"/>
+                          </a:solidFill>
+                          <a:latin typeface="+mj-ea"/>
+                          <a:ea typeface="+mn-ea"/>
+                          <a:cs typeface="+mn-cs"/>
+                        </a:rPr>
+                        <a:t>공백 금지</a:t>
+                      </a:r>
+                      <a:endParaRPr lang="en-US" altLang="ko-KR" sz="900" kern="1200" spc="-30" dirty="0" smtClean="0">
+                        <a:solidFill>
+                          <a:schemeClr val="dk1"/>
+                        </a:solidFill>
+                        <a:latin typeface="+mj-ea"/>
+                        <a:ea typeface="+mn-ea"/>
+                        <a:cs typeface="+mn-cs"/>
+                      </a:endParaRPr>
+                    </a:p>
+                    <a:p>
+                      <a:pPr>
+                        <a:lnSpc>
+                          <a:spcPct val="130000"/>
+                        </a:lnSpc>
+                      </a:pPr>
+                      <a:r>
+                        <a:rPr lang="en-US" altLang="ko-KR" sz="900" kern="1200" spc="-30" dirty="0" smtClean="0">
+                          <a:solidFill>
+                            <a:schemeClr val="dk1"/>
+                          </a:solidFill>
+                          <a:latin typeface="+mj-ea"/>
+                          <a:ea typeface="+mn-ea"/>
+                          <a:cs typeface="+mn-cs"/>
+                        </a:rPr>
+                        <a:t>- 3</a:t>
+                      </a:r>
+                      <a:r>
+                        <a:rPr lang="ko-KR" altLang="en-US" sz="900" kern="1200" spc="-30" dirty="0" smtClean="0">
+                          <a:solidFill>
+                            <a:schemeClr val="dk1"/>
+                          </a:solidFill>
+                          <a:latin typeface="+mj-ea"/>
+                          <a:ea typeface="+mn-ea"/>
+                          <a:cs typeface="+mn-cs"/>
+                        </a:rPr>
+                        <a:t>자리 이상 연속되는 숫자 또는 문자열 사용 금지</a:t>
+                      </a:r>
+                      <a:endParaRPr lang="en-US" altLang="ko-KR" sz="900" kern="1200" spc="-30" dirty="0" smtClean="0">
+                        <a:solidFill>
+                          <a:schemeClr val="dk1"/>
+                        </a:solidFill>
+                        <a:latin typeface="+mj-ea"/>
+                        <a:ea typeface="+mn-ea"/>
+                        <a:cs typeface="+mn-cs"/>
+                      </a:endParaRPr>
+                    </a:p>
+                    <a:p>
+                      <a:pPr>
+                        <a:lnSpc>
+                          <a:spcPct val="130000"/>
+                        </a:lnSpc>
+                      </a:pPr>
+                      <a:r>
+                        <a:rPr lang="en-US" altLang="ko-KR" sz="900" kern="1200" spc="-30" dirty="0" smtClean="0">
+                          <a:solidFill>
+                            <a:schemeClr val="dk1"/>
+                          </a:solidFill>
+                          <a:latin typeface="+mj-ea"/>
+                          <a:ea typeface="+mn-ea"/>
+                          <a:cs typeface="+mn-cs"/>
+                        </a:rPr>
+                        <a:t>(</a:t>
+                      </a:r>
+                      <a:r>
+                        <a:rPr lang="ko-KR" altLang="en-US" sz="900" kern="1200" spc="-30" dirty="0" smtClean="0">
+                          <a:solidFill>
+                            <a:schemeClr val="dk1"/>
+                          </a:solidFill>
+                          <a:latin typeface="+mj-ea"/>
+                          <a:ea typeface="+mn-ea"/>
+                          <a:cs typeface="+mn-cs"/>
+                        </a:rPr>
+                        <a:t>예 </a:t>
+                      </a:r>
+                      <a:r>
+                        <a:rPr lang="en-US" altLang="ko-KR" sz="900" kern="1200" spc="-30" dirty="0" smtClean="0">
+                          <a:solidFill>
+                            <a:schemeClr val="dk1"/>
+                          </a:solidFill>
+                          <a:latin typeface="+mj-ea"/>
+                          <a:ea typeface="+mn-ea"/>
+                          <a:cs typeface="+mn-cs"/>
+                        </a:rPr>
+                        <a:t>: 123, 321, 012, </a:t>
+                      </a:r>
+                      <a:r>
+                        <a:rPr lang="en-US" altLang="ko-KR" sz="900" kern="1200" spc="-30" dirty="0" err="1" smtClean="0">
+                          <a:solidFill>
+                            <a:schemeClr val="dk1"/>
+                          </a:solidFill>
+                          <a:latin typeface="+mj-ea"/>
+                          <a:ea typeface="+mn-ea"/>
+                          <a:cs typeface="+mn-cs"/>
+                        </a:rPr>
+                        <a:t>abc</a:t>
+                      </a:r>
+                      <a:r>
+                        <a:rPr lang="en-US" altLang="ko-KR" sz="900" kern="1200" spc="-30" dirty="0" smtClean="0">
+                          <a:solidFill>
+                            <a:schemeClr val="dk1"/>
+                          </a:solidFill>
+                          <a:latin typeface="+mj-ea"/>
+                          <a:ea typeface="+mn-ea"/>
+                          <a:cs typeface="+mn-cs"/>
+                        </a:rPr>
+                        <a:t>, </a:t>
+                      </a:r>
+                      <a:r>
+                        <a:rPr lang="en-US" altLang="ko-KR" sz="900" kern="1200" spc="-30" dirty="0" err="1" smtClean="0">
+                          <a:solidFill>
+                            <a:schemeClr val="dk1"/>
+                          </a:solidFill>
+                          <a:latin typeface="+mj-ea"/>
+                          <a:ea typeface="+mn-ea"/>
+                          <a:cs typeface="+mn-cs"/>
+                        </a:rPr>
+                        <a:t>cba</a:t>
+                      </a:r>
+                      <a:r>
+                        <a:rPr lang="en-US" altLang="ko-KR" sz="900" kern="1200" spc="-30" dirty="0" smtClean="0">
+                          <a:solidFill>
+                            <a:schemeClr val="dk1"/>
+                          </a:solidFill>
+                          <a:latin typeface="+mj-ea"/>
+                          <a:ea typeface="+mn-ea"/>
+                          <a:cs typeface="+mn-cs"/>
+                        </a:rPr>
+                        <a:t>)</a:t>
+                      </a:r>
+                    </a:p>
+                    <a:p>
+                      <a:pPr>
+                        <a:lnSpc>
+                          <a:spcPct val="130000"/>
+                        </a:lnSpc>
+                      </a:pPr>
+                      <a:r>
+                        <a:rPr lang="en-US" altLang="ko-KR" sz="900" kern="1200" spc="-30" dirty="0" smtClean="0">
+                          <a:solidFill>
+                            <a:schemeClr val="dk1"/>
+                          </a:solidFill>
+                          <a:latin typeface="+mj-ea"/>
+                          <a:ea typeface="+mn-ea"/>
+                          <a:cs typeface="+mn-cs"/>
+                        </a:rPr>
+                        <a:t>- 3</a:t>
+                      </a:r>
+                      <a:r>
+                        <a:rPr lang="ko-KR" altLang="en-US" sz="900" kern="1200" spc="-30" dirty="0" smtClean="0">
+                          <a:solidFill>
+                            <a:schemeClr val="dk1"/>
+                          </a:solidFill>
+                          <a:latin typeface="+mj-ea"/>
+                          <a:ea typeface="+mn-ea"/>
+                          <a:cs typeface="+mn-cs"/>
+                        </a:rPr>
+                        <a:t>자리 이상 동일한 숫자 또는 문자열 사용 금지</a:t>
+                      </a:r>
+                      <a:endParaRPr lang="en-US" altLang="ko-KR" sz="900" kern="1200" spc="-30" dirty="0" smtClean="0">
+                        <a:solidFill>
+                          <a:schemeClr val="dk1"/>
+                        </a:solidFill>
+                        <a:latin typeface="+mj-ea"/>
+                        <a:ea typeface="+mn-ea"/>
+                        <a:cs typeface="+mn-cs"/>
+                      </a:endParaRPr>
+                    </a:p>
+                    <a:p>
+                      <a:pPr>
+                        <a:lnSpc>
+                          <a:spcPct val="130000"/>
+                        </a:lnSpc>
+                      </a:pPr>
+                      <a:r>
+                        <a:rPr lang="en-US" altLang="ko-KR" sz="900" kern="1200" spc="-30" dirty="0" smtClean="0">
+                          <a:solidFill>
+                            <a:schemeClr val="dk1"/>
+                          </a:solidFill>
+                          <a:latin typeface="+mj-ea"/>
+                          <a:ea typeface="+mn-ea"/>
+                          <a:cs typeface="+mn-cs"/>
+                        </a:rPr>
+                        <a:t>(</a:t>
+                      </a:r>
+                      <a:r>
+                        <a:rPr lang="ko-KR" altLang="en-US" sz="900" kern="1200" spc="-30" dirty="0" smtClean="0">
+                          <a:solidFill>
+                            <a:schemeClr val="dk1"/>
+                          </a:solidFill>
+                          <a:latin typeface="+mj-ea"/>
+                          <a:ea typeface="+mn-ea"/>
+                          <a:cs typeface="+mn-cs"/>
+                        </a:rPr>
+                        <a:t>예 </a:t>
+                      </a:r>
+                      <a:r>
+                        <a:rPr lang="en-US" altLang="ko-KR" sz="900" kern="1200" spc="-30" dirty="0" smtClean="0">
+                          <a:solidFill>
+                            <a:schemeClr val="dk1"/>
+                          </a:solidFill>
+                          <a:latin typeface="+mj-ea"/>
+                          <a:ea typeface="+mn-ea"/>
+                          <a:cs typeface="+mn-cs"/>
+                        </a:rPr>
+                        <a:t>: 000, 111, 222, </a:t>
+                      </a:r>
+                      <a:r>
+                        <a:rPr lang="en-US" altLang="ko-KR" sz="900" kern="1200" spc="-30" dirty="0" err="1" smtClean="0">
+                          <a:solidFill>
+                            <a:schemeClr val="dk1"/>
+                          </a:solidFill>
+                          <a:latin typeface="+mj-ea"/>
+                          <a:ea typeface="+mn-ea"/>
+                          <a:cs typeface="+mn-cs"/>
+                        </a:rPr>
+                        <a:t>aaa</a:t>
+                      </a:r>
+                      <a:r>
+                        <a:rPr lang="en-US" altLang="ko-KR" sz="900" kern="1200" spc="-30" dirty="0" smtClean="0">
+                          <a:solidFill>
+                            <a:schemeClr val="dk1"/>
+                          </a:solidFill>
+                          <a:latin typeface="+mj-ea"/>
+                          <a:ea typeface="+mn-ea"/>
+                          <a:cs typeface="+mn-cs"/>
+                        </a:rPr>
+                        <a:t>, </a:t>
+                      </a:r>
+                      <a:r>
+                        <a:rPr lang="en-US" altLang="ko-KR" sz="900" kern="1200" spc="-30" dirty="0" err="1" smtClean="0">
+                          <a:solidFill>
+                            <a:schemeClr val="dk1"/>
+                          </a:solidFill>
+                          <a:latin typeface="+mj-ea"/>
+                          <a:ea typeface="+mn-ea"/>
+                          <a:cs typeface="+mn-cs"/>
+                        </a:rPr>
+                        <a:t>bbb</a:t>
+                      </a:r>
+                      <a:r>
+                        <a:rPr lang="en-US" altLang="ko-KR" sz="900" kern="1200" spc="-30" dirty="0" smtClean="0">
+                          <a:solidFill>
+                            <a:schemeClr val="dk1"/>
+                          </a:solidFill>
+                          <a:latin typeface="+mj-ea"/>
+                          <a:ea typeface="+mn-ea"/>
+                          <a:cs typeface="+mn-cs"/>
+                        </a:rPr>
+                        <a:t>)</a:t>
+                      </a:r>
+                    </a:p>
+                    <a:p>
+                      <a:pPr>
+                        <a:lnSpc>
+                          <a:spcPct val="130000"/>
+                        </a:lnSpc>
+                      </a:pPr>
+                      <a:r>
+                        <a:rPr lang="en-US" altLang="ko-KR" sz="900" kern="1200" spc="-30" dirty="0" smtClean="0">
+                          <a:solidFill>
+                            <a:schemeClr val="dk1"/>
+                          </a:solidFill>
+                          <a:latin typeface="+mj-ea"/>
+                          <a:ea typeface="+mn-ea"/>
+                          <a:cs typeface="+mn-cs"/>
+                        </a:rPr>
+                        <a:t>- </a:t>
+                      </a:r>
+                      <a:r>
+                        <a:rPr lang="ko-KR" altLang="en-US" sz="900" kern="1200" spc="-30" dirty="0" smtClean="0">
+                          <a:solidFill>
+                            <a:schemeClr val="dk1"/>
+                          </a:solidFill>
+                          <a:latin typeface="+mj-ea"/>
+                          <a:ea typeface="+mn-ea"/>
+                          <a:cs typeface="+mn-cs"/>
+                        </a:rPr>
+                        <a:t>아이디와 연속한 </a:t>
+                      </a:r>
+                      <a:r>
+                        <a:rPr lang="en-US" altLang="ko-KR" sz="900" kern="1200" spc="-30" dirty="0" smtClean="0">
+                          <a:solidFill>
+                            <a:schemeClr val="dk1"/>
+                          </a:solidFill>
+                          <a:latin typeface="+mj-ea"/>
+                          <a:ea typeface="+mn-ea"/>
+                          <a:cs typeface="+mn-cs"/>
+                        </a:rPr>
+                        <a:t>3</a:t>
+                      </a:r>
+                      <a:r>
+                        <a:rPr lang="ko-KR" altLang="en-US" sz="900" kern="1200" spc="-30" dirty="0" smtClean="0">
+                          <a:solidFill>
+                            <a:schemeClr val="dk1"/>
+                          </a:solidFill>
+                          <a:latin typeface="+mj-ea"/>
+                          <a:ea typeface="+mn-ea"/>
+                          <a:cs typeface="+mn-cs"/>
+                        </a:rPr>
+                        <a:t>자리 이상 일치하는 비밀번호 사용 금지</a:t>
+                      </a:r>
+                      <a:endParaRPr lang="en-US" altLang="ko-KR" sz="900" kern="1200" spc="-30" dirty="0" smtClean="0">
+                        <a:solidFill>
+                          <a:schemeClr val="dk1"/>
+                        </a:solidFill>
+                        <a:latin typeface="+mj-ea"/>
+                        <a:ea typeface="+mn-ea"/>
+                        <a:cs typeface="+mn-cs"/>
+                      </a:endParaRPr>
+                    </a:p>
+                    <a:p>
+                      <a:pPr marL="0" indent="0" algn="l">
+                        <a:lnSpc>
+                          <a:spcPct val="150000"/>
+                        </a:lnSpc>
+                        <a:buNone/>
+                      </a:pPr>
+                      <a:endParaRPr lang="en-US" altLang="ko-KR" sz="900" b="1" spc="-30" baseline="0" dirty="0" smtClean="0">
+                        <a:solidFill>
+                          <a:srgbClr val="F20019"/>
+                        </a:solidFill>
+                        <a:latin typeface="+mj-ea"/>
+                        <a:ea typeface="+mj-ea"/>
+                      </a:endParaRPr>
+                    </a:p>
+                    <a:p>
+                      <a:pPr marL="0" indent="0" algn="l">
+                        <a:lnSpc>
+                          <a:spcPct val="150000"/>
+                        </a:lnSpc>
+                        <a:buNone/>
+                      </a:pPr>
+                      <a:endParaRPr lang="en-US" altLang="ko-KR" sz="900" b="1" spc="-30" baseline="0" dirty="0" smtClean="0">
+                        <a:solidFill>
+                          <a:srgbClr val="F20019"/>
+                        </a:solidFill>
+                        <a:latin typeface="+mj-ea"/>
+                        <a:ea typeface="+mj-ea"/>
+                      </a:endParaRPr>
+                    </a:p>
+                    <a:p>
+                      <a:pPr marL="0" indent="0" algn="l">
+                        <a:lnSpc>
+                          <a:spcPct val="150000"/>
+                        </a:lnSpc>
+                        <a:buNone/>
+                      </a:pPr>
+                      <a:endParaRPr lang="en-US" altLang="ko-KR" sz="900" b="1" spc="-30" baseline="0" dirty="0" smtClean="0">
+                        <a:solidFill>
+                          <a:srgbClr val="F20019"/>
+                        </a:solidFill>
+                        <a:latin typeface="+mj-ea"/>
+                        <a:ea typeface="+mj-ea"/>
+                      </a:endParaRPr>
+                    </a:p>
+                    <a:p>
+                      <a:pPr marL="0" indent="0" algn="l">
+                        <a:lnSpc>
+                          <a:spcPct val="150000"/>
+                        </a:lnSpc>
+                        <a:buNone/>
+                      </a:pPr>
+                      <a:endParaRPr lang="en-US" altLang="ko-KR" sz="900" b="1" spc="-30" baseline="0" dirty="0" smtClean="0">
+                        <a:solidFill>
+                          <a:srgbClr val="F20019"/>
+                        </a:solidFill>
+                        <a:latin typeface="+mj-ea"/>
+                        <a:ea typeface="+mj-ea"/>
+                      </a:endParaRPr>
+                    </a:p>
+                    <a:p>
+                      <a:pPr marL="0" indent="0" algn="l">
+                        <a:lnSpc>
+                          <a:spcPct val="150000"/>
+                        </a:lnSpc>
+                        <a:buNone/>
+                      </a:pPr>
+                      <a:endParaRPr lang="en-US" altLang="ko-KR" sz="900" b="1" spc="-30" baseline="0" dirty="0" smtClean="0">
+                        <a:solidFill>
+                          <a:srgbClr val="F20019"/>
+                        </a:solidFill>
+                        <a:latin typeface="+mj-ea"/>
+                        <a:ea typeface="+mj-ea"/>
+                      </a:endParaRPr>
+                    </a:p>
+                  </a:txBody>
+                  <a:tcPr marL="91439" marR="91439" marT="45715" marB="45715">
+                    <a:lnL w="3175" cap="flat" cmpd="sng" algn="ctr">
+                      <a:solidFill>
+                        <a:schemeClr val="tx1"/>
+                      </a:solidFill>
+                      <a:prstDash val="solid"/>
+                      <a:round/>
+                      <a:headEnd type="none" w="med" len="med"/>
+                      <a:tailEnd type="none" w="med" len="med"/>
+                    </a:lnL>
+                    <a:lnR w="3175" cap="flat" cmpd="sng" algn="ctr">
+                      <a:solidFill>
+                        <a:schemeClr val="tx1"/>
+                      </a:solidFill>
+                      <a:prstDash val="solid"/>
+                      <a:round/>
+                      <a:headEnd type="none" w="med" len="med"/>
+                      <a:tailEnd type="none" w="med" len="med"/>
+                    </a:lnR>
+                    <a:lnT w="3175" cap="flat" cmpd="sng" algn="ctr">
+                      <a:solidFill>
+                        <a:schemeClr val="bg1">
+                          <a:lumMod val="65000"/>
+                        </a:schemeClr>
+                      </a:solidFill>
+                      <a:prstDash val="solid"/>
+                      <a:round/>
+                      <a:headEnd type="none" w="med" len="med"/>
+                      <a:tailEnd type="none" w="med" len="med"/>
+                    </a:lnT>
+                    <a:lnB w="3175" cap="flat" cmpd="sng" algn="ctr">
+                      <a:solidFill>
+                        <a:schemeClr val="tx1"/>
+                      </a:solidFill>
+                      <a:prstDash val="solid"/>
+                      <a:round/>
+                      <a:headEnd type="none" w="med" len="med"/>
+                      <a:tailEnd type="none" w="med" len="med"/>
+                    </a:lnB>
+                    <a:solidFill>
+                      <a:schemeClr val="bg1">
+                        <a:alpha val="69804"/>
+                      </a:schemeClr>
+                    </a:solidFill>
+                  </a:tcPr>
+                </a:tc>
+                <a:extLst>
+                  <a:ext uri="{0D108BD9-81ED-4DB2-BD59-A6C34878D82A}">
+                    <a16:rowId xmlns:a16="http://schemas.microsoft.com/office/drawing/2014/main" val="10001"/>
+                  </a:ext>
+                </a:extLst>
+              </a:tr>
+            </a:tbl>
+          </a:graphicData>
+        </a:graphic>
+      </p:graphicFrame>
+      <p:pic>
+        <p:nvPicPr>
+          <p:cNvPr id="2" name="그림 1"/>
+          <p:cNvPicPr>
+            <a:picLocks noChangeAspect="1"/>
+          </p:cNvPicPr>
+          <p:nvPr/>
+        </p:nvPicPr>
+        <p:blipFill>
+          <a:blip r:embed="rId2"/>
+          <a:stretch>
+            <a:fillRect/>
+          </a:stretch>
+        </p:blipFill>
+        <p:spPr>
+          <a:xfrm>
+            <a:off x="3087444" y="2443943"/>
+            <a:ext cx="2415749" cy="4168501"/>
+          </a:xfrm>
+          <a:prstGeom prst="rect">
+            <a:avLst/>
+          </a:prstGeom>
+        </p:spPr>
+      </p:pic>
+    </p:spTree>
+    <p:extLst>
+      <p:ext uri="{BB962C8B-B14F-4D97-AF65-F5344CB8AC3E}">
+        <p14:creationId xmlns:p14="http://schemas.microsoft.com/office/powerpoint/2010/main" val="868740815"/>
       </p:ext>
     </p:extLst>
   </p:cSld>
